--- a/pert10/Pertemuan 11.pptx
+++ b/pert10/Pertemuan 11.pptx
@@ -155,7 +155,7 @@
           <p:cNvPr id="2" name="Title 1">
             <a:extLst>
               <a:ext uri="{FF2B5EF4-FFF2-40B4-BE49-F238E27FC236}">
-                <a16:creationId xmlns:a16="http://schemas.microsoft.com/office/drawing/2014/main" xmlns="" id="{A4EFC4CF-61D8-3F4D-EC12-B9013A751E2B}"/>
+                <a16:creationId xmlns:a16="http://schemas.microsoft.com/office/drawing/2014/main" id="{A4EFC4CF-61D8-3F4D-EC12-B9013A751E2B}"/>
               </a:ext>
             </a:extLst>
           </p:cNvPr>
@@ -192,7 +192,7 @@
           <p:cNvPr id="3" name="Subtitle 2">
             <a:extLst>
               <a:ext uri="{FF2B5EF4-FFF2-40B4-BE49-F238E27FC236}">
-                <a16:creationId xmlns:a16="http://schemas.microsoft.com/office/drawing/2014/main" xmlns="" id="{9FA94370-FD4A-EC2C-F73C-FF6F74D080E2}"/>
+                <a16:creationId xmlns:a16="http://schemas.microsoft.com/office/drawing/2014/main" id="{9FA94370-FD4A-EC2C-F73C-FF6F74D080E2}"/>
               </a:ext>
             </a:extLst>
           </p:cNvPr>
@@ -262,7 +262,7 @@
           <p:cNvPr id="4" name="Date Placeholder 3">
             <a:extLst>
               <a:ext uri="{FF2B5EF4-FFF2-40B4-BE49-F238E27FC236}">
-                <a16:creationId xmlns:a16="http://schemas.microsoft.com/office/drawing/2014/main" xmlns="" id="{160C3B0A-DDA4-A670-CDD7-99A7BF39F1CE}"/>
+                <a16:creationId xmlns:a16="http://schemas.microsoft.com/office/drawing/2014/main" id="{160C3B0A-DDA4-A670-CDD7-99A7BF39F1CE}"/>
               </a:ext>
             </a:extLst>
           </p:cNvPr>
@@ -280,7 +280,7 @@
           <a:p>
             <a:fld id="{F370C087-52C6-409C-91D2-CC15A1D05933}" type="datetimeFigureOut">
               <a:rPr lang="en-US" smtClean="0"/>
-              <a:t>12/11/2023</a:t>
+              <a:t>12/12/2023</a:t>
             </a:fld>
             <a:endParaRPr lang="en-US"/>
           </a:p>
@@ -291,7 +291,7 @@
           <p:cNvPr id="5" name="Footer Placeholder 4">
             <a:extLst>
               <a:ext uri="{FF2B5EF4-FFF2-40B4-BE49-F238E27FC236}">
-                <a16:creationId xmlns:a16="http://schemas.microsoft.com/office/drawing/2014/main" xmlns="" id="{6BD2A998-C1EB-76FE-73F2-F985BD897856}"/>
+                <a16:creationId xmlns:a16="http://schemas.microsoft.com/office/drawing/2014/main" id="{6BD2A998-C1EB-76FE-73F2-F985BD897856}"/>
               </a:ext>
             </a:extLst>
           </p:cNvPr>
@@ -316,7 +316,7 @@
           <p:cNvPr id="6" name="Slide Number Placeholder 5">
             <a:extLst>
               <a:ext uri="{FF2B5EF4-FFF2-40B4-BE49-F238E27FC236}">
-                <a16:creationId xmlns:a16="http://schemas.microsoft.com/office/drawing/2014/main" xmlns="" id="{24E08299-FD6B-4F54-30BC-0B613D8D36C6}"/>
+                <a16:creationId xmlns:a16="http://schemas.microsoft.com/office/drawing/2014/main" id="{24E08299-FD6B-4F54-30BC-0B613D8D36C6}"/>
               </a:ext>
             </a:extLst>
           </p:cNvPr>
@@ -375,7 +375,7 @@
           <p:cNvPr id="2" name="Title 1">
             <a:extLst>
               <a:ext uri="{FF2B5EF4-FFF2-40B4-BE49-F238E27FC236}">
-                <a16:creationId xmlns:a16="http://schemas.microsoft.com/office/drawing/2014/main" xmlns="" id="{F0F3BBA4-2C68-38B1-A20F-62293324F843}"/>
+                <a16:creationId xmlns:a16="http://schemas.microsoft.com/office/drawing/2014/main" id="{F0F3BBA4-2C68-38B1-A20F-62293324F843}"/>
               </a:ext>
             </a:extLst>
           </p:cNvPr>
@@ -403,7 +403,7 @@
           <p:cNvPr id="3" name="Vertical Text Placeholder 2">
             <a:extLst>
               <a:ext uri="{FF2B5EF4-FFF2-40B4-BE49-F238E27FC236}">
-                <a16:creationId xmlns:a16="http://schemas.microsoft.com/office/drawing/2014/main" xmlns="" id="{BAAEC790-F33C-E5F6-CFDF-33F000234DE0}"/>
+                <a16:creationId xmlns:a16="http://schemas.microsoft.com/office/drawing/2014/main" id="{BAAEC790-F33C-E5F6-CFDF-33F000234DE0}"/>
               </a:ext>
             </a:extLst>
           </p:cNvPr>
@@ -460,7 +460,7 @@
           <p:cNvPr id="4" name="Date Placeholder 3">
             <a:extLst>
               <a:ext uri="{FF2B5EF4-FFF2-40B4-BE49-F238E27FC236}">
-                <a16:creationId xmlns:a16="http://schemas.microsoft.com/office/drawing/2014/main" xmlns="" id="{D191A598-7E9E-4EAA-7E7E-B7E6414E995A}"/>
+                <a16:creationId xmlns:a16="http://schemas.microsoft.com/office/drawing/2014/main" id="{D191A598-7E9E-4EAA-7E7E-B7E6414E995A}"/>
               </a:ext>
             </a:extLst>
           </p:cNvPr>
@@ -478,7 +478,7 @@
           <a:p>
             <a:fld id="{F370C087-52C6-409C-91D2-CC15A1D05933}" type="datetimeFigureOut">
               <a:rPr lang="en-US" smtClean="0"/>
-              <a:t>12/11/2023</a:t>
+              <a:t>12/12/2023</a:t>
             </a:fld>
             <a:endParaRPr lang="en-US"/>
           </a:p>
@@ -489,7 +489,7 @@
           <p:cNvPr id="5" name="Footer Placeholder 4">
             <a:extLst>
               <a:ext uri="{FF2B5EF4-FFF2-40B4-BE49-F238E27FC236}">
-                <a16:creationId xmlns:a16="http://schemas.microsoft.com/office/drawing/2014/main" xmlns="" id="{73FE1C4C-A554-2730-1500-3C731C1FBAB4}"/>
+                <a16:creationId xmlns:a16="http://schemas.microsoft.com/office/drawing/2014/main" id="{73FE1C4C-A554-2730-1500-3C731C1FBAB4}"/>
               </a:ext>
             </a:extLst>
           </p:cNvPr>
@@ -514,7 +514,7 @@
           <p:cNvPr id="6" name="Slide Number Placeholder 5">
             <a:extLst>
               <a:ext uri="{FF2B5EF4-FFF2-40B4-BE49-F238E27FC236}">
-                <a16:creationId xmlns:a16="http://schemas.microsoft.com/office/drawing/2014/main" xmlns="" id="{DB40DF3E-2DC7-9411-DCAB-F58C098C9B5D}"/>
+                <a16:creationId xmlns:a16="http://schemas.microsoft.com/office/drawing/2014/main" id="{DB40DF3E-2DC7-9411-DCAB-F58C098C9B5D}"/>
               </a:ext>
             </a:extLst>
           </p:cNvPr>
@@ -573,7 +573,7 @@
           <p:cNvPr id="2" name="Vertical Title 1">
             <a:extLst>
               <a:ext uri="{FF2B5EF4-FFF2-40B4-BE49-F238E27FC236}">
-                <a16:creationId xmlns:a16="http://schemas.microsoft.com/office/drawing/2014/main" xmlns="" id="{9BFCF372-44D2-EC9A-EE3B-CFF13668CFBA}"/>
+                <a16:creationId xmlns:a16="http://schemas.microsoft.com/office/drawing/2014/main" id="{9BFCF372-44D2-EC9A-EE3B-CFF13668CFBA}"/>
               </a:ext>
             </a:extLst>
           </p:cNvPr>
@@ -606,7 +606,7 @@
           <p:cNvPr id="3" name="Vertical Text Placeholder 2">
             <a:extLst>
               <a:ext uri="{FF2B5EF4-FFF2-40B4-BE49-F238E27FC236}">
-                <a16:creationId xmlns:a16="http://schemas.microsoft.com/office/drawing/2014/main" xmlns="" id="{4B6D2A74-6EF2-D276-14BD-E7ADF989E65C}"/>
+                <a16:creationId xmlns:a16="http://schemas.microsoft.com/office/drawing/2014/main" id="{4B6D2A74-6EF2-D276-14BD-E7ADF989E65C}"/>
               </a:ext>
             </a:extLst>
           </p:cNvPr>
@@ -668,7 +668,7 @@
           <p:cNvPr id="4" name="Date Placeholder 3">
             <a:extLst>
               <a:ext uri="{FF2B5EF4-FFF2-40B4-BE49-F238E27FC236}">
-                <a16:creationId xmlns:a16="http://schemas.microsoft.com/office/drawing/2014/main" xmlns="" id="{8674E27A-45E0-BEE1-A743-C51F1B62509B}"/>
+                <a16:creationId xmlns:a16="http://schemas.microsoft.com/office/drawing/2014/main" id="{8674E27A-45E0-BEE1-A743-C51F1B62509B}"/>
               </a:ext>
             </a:extLst>
           </p:cNvPr>
@@ -686,7 +686,7 @@
           <a:p>
             <a:fld id="{F370C087-52C6-409C-91D2-CC15A1D05933}" type="datetimeFigureOut">
               <a:rPr lang="en-US" smtClean="0"/>
-              <a:t>12/11/2023</a:t>
+              <a:t>12/12/2023</a:t>
             </a:fld>
             <a:endParaRPr lang="en-US"/>
           </a:p>
@@ -697,7 +697,7 @@
           <p:cNvPr id="5" name="Footer Placeholder 4">
             <a:extLst>
               <a:ext uri="{FF2B5EF4-FFF2-40B4-BE49-F238E27FC236}">
-                <a16:creationId xmlns:a16="http://schemas.microsoft.com/office/drawing/2014/main" xmlns="" id="{5713C2C8-02AD-171A-8488-5C61DB124729}"/>
+                <a16:creationId xmlns:a16="http://schemas.microsoft.com/office/drawing/2014/main" id="{5713C2C8-02AD-171A-8488-5C61DB124729}"/>
               </a:ext>
             </a:extLst>
           </p:cNvPr>
@@ -722,7 +722,7 @@
           <p:cNvPr id="6" name="Slide Number Placeholder 5">
             <a:extLst>
               <a:ext uri="{FF2B5EF4-FFF2-40B4-BE49-F238E27FC236}">
-                <a16:creationId xmlns:a16="http://schemas.microsoft.com/office/drawing/2014/main" xmlns="" id="{BFC81A94-E439-0086-9683-3DEC1AA402C2}"/>
+                <a16:creationId xmlns:a16="http://schemas.microsoft.com/office/drawing/2014/main" id="{BFC81A94-E439-0086-9683-3DEC1AA402C2}"/>
               </a:ext>
             </a:extLst>
           </p:cNvPr>
@@ -781,7 +781,7 @@
           <p:cNvPr id="2" name="Title 1">
             <a:extLst>
               <a:ext uri="{FF2B5EF4-FFF2-40B4-BE49-F238E27FC236}">
-                <a16:creationId xmlns:a16="http://schemas.microsoft.com/office/drawing/2014/main" xmlns="" id="{EDD62422-C914-57A6-D100-40CB1C7D2FA6}"/>
+                <a16:creationId xmlns:a16="http://schemas.microsoft.com/office/drawing/2014/main" id="{EDD62422-C914-57A6-D100-40CB1C7D2FA6}"/>
               </a:ext>
             </a:extLst>
           </p:cNvPr>
@@ -809,7 +809,7 @@
           <p:cNvPr id="3" name="Content Placeholder 2">
             <a:extLst>
               <a:ext uri="{FF2B5EF4-FFF2-40B4-BE49-F238E27FC236}">
-                <a16:creationId xmlns:a16="http://schemas.microsoft.com/office/drawing/2014/main" xmlns="" id="{F188F713-2A41-B63C-2AD6-40C76CC01851}"/>
+                <a16:creationId xmlns:a16="http://schemas.microsoft.com/office/drawing/2014/main" id="{F188F713-2A41-B63C-2AD6-40C76CC01851}"/>
               </a:ext>
             </a:extLst>
           </p:cNvPr>
@@ -866,7 +866,7 @@
           <p:cNvPr id="4" name="Date Placeholder 3">
             <a:extLst>
               <a:ext uri="{FF2B5EF4-FFF2-40B4-BE49-F238E27FC236}">
-                <a16:creationId xmlns:a16="http://schemas.microsoft.com/office/drawing/2014/main" xmlns="" id="{B8E6B18C-C553-660B-E7E0-395539FEEEDD}"/>
+                <a16:creationId xmlns:a16="http://schemas.microsoft.com/office/drawing/2014/main" id="{B8E6B18C-C553-660B-E7E0-395539FEEEDD}"/>
               </a:ext>
             </a:extLst>
           </p:cNvPr>
@@ -884,7 +884,7 @@
           <a:p>
             <a:fld id="{F370C087-52C6-409C-91D2-CC15A1D05933}" type="datetimeFigureOut">
               <a:rPr lang="en-US" smtClean="0"/>
-              <a:t>12/11/2023</a:t>
+              <a:t>12/12/2023</a:t>
             </a:fld>
             <a:endParaRPr lang="en-US"/>
           </a:p>
@@ -895,7 +895,7 @@
           <p:cNvPr id="5" name="Footer Placeholder 4">
             <a:extLst>
               <a:ext uri="{FF2B5EF4-FFF2-40B4-BE49-F238E27FC236}">
-                <a16:creationId xmlns:a16="http://schemas.microsoft.com/office/drawing/2014/main" xmlns="" id="{14983055-6E6F-2A6D-FB3F-669C897A2038}"/>
+                <a16:creationId xmlns:a16="http://schemas.microsoft.com/office/drawing/2014/main" id="{14983055-6E6F-2A6D-FB3F-669C897A2038}"/>
               </a:ext>
             </a:extLst>
           </p:cNvPr>
@@ -920,7 +920,7 @@
           <p:cNvPr id="6" name="Slide Number Placeholder 5">
             <a:extLst>
               <a:ext uri="{FF2B5EF4-FFF2-40B4-BE49-F238E27FC236}">
-                <a16:creationId xmlns:a16="http://schemas.microsoft.com/office/drawing/2014/main" xmlns="" id="{C9FD2E7D-427A-D325-65FC-EC0876EA981D}"/>
+                <a16:creationId xmlns:a16="http://schemas.microsoft.com/office/drawing/2014/main" id="{C9FD2E7D-427A-D325-65FC-EC0876EA981D}"/>
               </a:ext>
             </a:extLst>
           </p:cNvPr>
@@ -979,7 +979,7 @@
           <p:cNvPr id="2" name="Title 1">
             <a:extLst>
               <a:ext uri="{FF2B5EF4-FFF2-40B4-BE49-F238E27FC236}">
-                <a16:creationId xmlns:a16="http://schemas.microsoft.com/office/drawing/2014/main" xmlns="" id="{6D334B98-48D0-2392-64BD-796D14EC2984}"/>
+                <a16:creationId xmlns:a16="http://schemas.microsoft.com/office/drawing/2014/main" id="{6D334B98-48D0-2392-64BD-796D14EC2984}"/>
               </a:ext>
             </a:extLst>
           </p:cNvPr>
@@ -1016,7 +1016,7 @@
           <p:cNvPr id="3" name="Text Placeholder 2">
             <a:extLst>
               <a:ext uri="{FF2B5EF4-FFF2-40B4-BE49-F238E27FC236}">
-                <a16:creationId xmlns:a16="http://schemas.microsoft.com/office/drawing/2014/main" xmlns="" id="{AC317871-9B95-DE32-6225-E87A44C48DE1}"/>
+                <a16:creationId xmlns:a16="http://schemas.microsoft.com/office/drawing/2014/main" id="{AC317871-9B95-DE32-6225-E87A44C48DE1}"/>
               </a:ext>
             </a:extLst>
           </p:cNvPr>
@@ -1141,7 +1141,7 @@
           <p:cNvPr id="4" name="Date Placeholder 3">
             <a:extLst>
               <a:ext uri="{FF2B5EF4-FFF2-40B4-BE49-F238E27FC236}">
-                <a16:creationId xmlns:a16="http://schemas.microsoft.com/office/drawing/2014/main" xmlns="" id="{E9BA14C0-EAE3-08C9-7D4D-042C3ED4F195}"/>
+                <a16:creationId xmlns:a16="http://schemas.microsoft.com/office/drawing/2014/main" id="{E9BA14C0-EAE3-08C9-7D4D-042C3ED4F195}"/>
               </a:ext>
             </a:extLst>
           </p:cNvPr>
@@ -1159,7 +1159,7 @@
           <a:p>
             <a:fld id="{F370C087-52C6-409C-91D2-CC15A1D05933}" type="datetimeFigureOut">
               <a:rPr lang="en-US" smtClean="0"/>
-              <a:t>12/11/2023</a:t>
+              <a:t>12/12/2023</a:t>
             </a:fld>
             <a:endParaRPr lang="en-US"/>
           </a:p>
@@ -1170,7 +1170,7 @@
           <p:cNvPr id="5" name="Footer Placeholder 4">
             <a:extLst>
               <a:ext uri="{FF2B5EF4-FFF2-40B4-BE49-F238E27FC236}">
-                <a16:creationId xmlns:a16="http://schemas.microsoft.com/office/drawing/2014/main" xmlns="" id="{EC989C91-EEB6-1A15-8AB4-EF0ED22D5058}"/>
+                <a16:creationId xmlns:a16="http://schemas.microsoft.com/office/drawing/2014/main" id="{EC989C91-EEB6-1A15-8AB4-EF0ED22D5058}"/>
               </a:ext>
             </a:extLst>
           </p:cNvPr>
@@ -1195,7 +1195,7 @@
           <p:cNvPr id="6" name="Slide Number Placeholder 5">
             <a:extLst>
               <a:ext uri="{FF2B5EF4-FFF2-40B4-BE49-F238E27FC236}">
-                <a16:creationId xmlns:a16="http://schemas.microsoft.com/office/drawing/2014/main" xmlns="" id="{72C9A92C-50E3-371B-BA93-D61B1A20DD07}"/>
+                <a16:creationId xmlns:a16="http://schemas.microsoft.com/office/drawing/2014/main" id="{72C9A92C-50E3-371B-BA93-D61B1A20DD07}"/>
               </a:ext>
             </a:extLst>
           </p:cNvPr>
@@ -1254,7 +1254,7 @@
           <p:cNvPr id="2" name="Title 1">
             <a:extLst>
               <a:ext uri="{FF2B5EF4-FFF2-40B4-BE49-F238E27FC236}">
-                <a16:creationId xmlns:a16="http://schemas.microsoft.com/office/drawing/2014/main" xmlns="" id="{8AFC1EC8-CA68-78BA-6109-554B39A20650}"/>
+                <a16:creationId xmlns:a16="http://schemas.microsoft.com/office/drawing/2014/main" id="{8AFC1EC8-CA68-78BA-6109-554B39A20650}"/>
               </a:ext>
             </a:extLst>
           </p:cNvPr>
@@ -1282,7 +1282,7 @@
           <p:cNvPr id="3" name="Content Placeholder 2">
             <a:extLst>
               <a:ext uri="{FF2B5EF4-FFF2-40B4-BE49-F238E27FC236}">
-                <a16:creationId xmlns:a16="http://schemas.microsoft.com/office/drawing/2014/main" xmlns="" id="{8B3FC8F8-12A2-2B47-F031-953B779B34E6}"/>
+                <a16:creationId xmlns:a16="http://schemas.microsoft.com/office/drawing/2014/main" id="{8B3FC8F8-12A2-2B47-F031-953B779B34E6}"/>
               </a:ext>
             </a:extLst>
           </p:cNvPr>
@@ -1344,7 +1344,7 @@
           <p:cNvPr id="4" name="Content Placeholder 3">
             <a:extLst>
               <a:ext uri="{FF2B5EF4-FFF2-40B4-BE49-F238E27FC236}">
-                <a16:creationId xmlns:a16="http://schemas.microsoft.com/office/drawing/2014/main" xmlns="" id="{3E241CFE-14C2-0961-27DD-761C05EADDFD}"/>
+                <a16:creationId xmlns:a16="http://schemas.microsoft.com/office/drawing/2014/main" id="{3E241CFE-14C2-0961-27DD-761C05EADDFD}"/>
               </a:ext>
             </a:extLst>
           </p:cNvPr>
@@ -1406,7 +1406,7 @@
           <p:cNvPr id="5" name="Date Placeholder 4">
             <a:extLst>
               <a:ext uri="{FF2B5EF4-FFF2-40B4-BE49-F238E27FC236}">
-                <a16:creationId xmlns:a16="http://schemas.microsoft.com/office/drawing/2014/main" xmlns="" id="{8EE26E1B-9058-D0DA-65DB-0CA699D44637}"/>
+                <a16:creationId xmlns:a16="http://schemas.microsoft.com/office/drawing/2014/main" id="{8EE26E1B-9058-D0DA-65DB-0CA699D44637}"/>
               </a:ext>
             </a:extLst>
           </p:cNvPr>
@@ -1424,7 +1424,7 @@
           <a:p>
             <a:fld id="{F370C087-52C6-409C-91D2-CC15A1D05933}" type="datetimeFigureOut">
               <a:rPr lang="en-US" smtClean="0"/>
-              <a:t>12/11/2023</a:t>
+              <a:t>12/12/2023</a:t>
             </a:fld>
             <a:endParaRPr lang="en-US"/>
           </a:p>
@@ -1435,7 +1435,7 @@
           <p:cNvPr id="6" name="Footer Placeholder 5">
             <a:extLst>
               <a:ext uri="{FF2B5EF4-FFF2-40B4-BE49-F238E27FC236}">
-                <a16:creationId xmlns:a16="http://schemas.microsoft.com/office/drawing/2014/main" xmlns="" id="{69BE0583-DF38-9B89-EB8D-B6A5292079EF}"/>
+                <a16:creationId xmlns:a16="http://schemas.microsoft.com/office/drawing/2014/main" id="{69BE0583-DF38-9B89-EB8D-B6A5292079EF}"/>
               </a:ext>
             </a:extLst>
           </p:cNvPr>
@@ -1460,7 +1460,7 @@
           <p:cNvPr id="7" name="Slide Number Placeholder 6">
             <a:extLst>
               <a:ext uri="{FF2B5EF4-FFF2-40B4-BE49-F238E27FC236}">
-                <a16:creationId xmlns:a16="http://schemas.microsoft.com/office/drawing/2014/main" xmlns="" id="{A2DAB867-5834-F6F3-47C6-352BFA97A55A}"/>
+                <a16:creationId xmlns:a16="http://schemas.microsoft.com/office/drawing/2014/main" id="{A2DAB867-5834-F6F3-47C6-352BFA97A55A}"/>
               </a:ext>
             </a:extLst>
           </p:cNvPr>
@@ -1519,7 +1519,7 @@
           <p:cNvPr id="2" name="Title 1">
             <a:extLst>
               <a:ext uri="{FF2B5EF4-FFF2-40B4-BE49-F238E27FC236}">
-                <a16:creationId xmlns:a16="http://schemas.microsoft.com/office/drawing/2014/main" xmlns="" id="{4B36B2FD-CBA0-7B0D-3461-D6970CF2EA57}"/>
+                <a16:creationId xmlns:a16="http://schemas.microsoft.com/office/drawing/2014/main" id="{4B36B2FD-CBA0-7B0D-3461-D6970CF2EA57}"/>
               </a:ext>
             </a:extLst>
           </p:cNvPr>
@@ -1552,7 +1552,7 @@
           <p:cNvPr id="3" name="Text Placeholder 2">
             <a:extLst>
               <a:ext uri="{FF2B5EF4-FFF2-40B4-BE49-F238E27FC236}">
-                <a16:creationId xmlns:a16="http://schemas.microsoft.com/office/drawing/2014/main" xmlns="" id="{ED1C76A5-CDC9-98E4-D6DF-74D6F564ACFD}"/>
+                <a16:creationId xmlns:a16="http://schemas.microsoft.com/office/drawing/2014/main" id="{ED1C76A5-CDC9-98E4-D6DF-74D6F564ACFD}"/>
               </a:ext>
             </a:extLst>
           </p:cNvPr>
@@ -1623,7 +1623,7 @@
           <p:cNvPr id="4" name="Content Placeholder 3">
             <a:extLst>
               <a:ext uri="{FF2B5EF4-FFF2-40B4-BE49-F238E27FC236}">
-                <a16:creationId xmlns:a16="http://schemas.microsoft.com/office/drawing/2014/main" xmlns="" id="{0C44F9DF-7A6A-E174-2ACF-8C765A708355}"/>
+                <a16:creationId xmlns:a16="http://schemas.microsoft.com/office/drawing/2014/main" id="{0C44F9DF-7A6A-E174-2ACF-8C765A708355}"/>
               </a:ext>
             </a:extLst>
           </p:cNvPr>
@@ -1685,7 +1685,7 @@
           <p:cNvPr id="5" name="Text Placeholder 4">
             <a:extLst>
               <a:ext uri="{FF2B5EF4-FFF2-40B4-BE49-F238E27FC236}">
-                <a16:creationId xmlns:a16="http://schemas.microsoft.com/office/drawing/2014/main" xmlns="" id="{F5444D19-BB96-62A4-C2A8-05CB8354F4B6}"/>
+                <a16:creationId xmlns:a16="http://schemas.microsoft.com/office/drawing/2014/main" id="{F5444D19-BB96-62A4-C2A8-05CB8354F4B6}"/>
               </a:ext>
             </a:extLst>
           </p:cNvPr>
@@ -1756,7 +1756,7 @@
           <p:cNvPr id="6" name="Content Placeholder 5">
             <a:extLst>
               <a:ext uri="{FF2B5EF4-FFF2-40B4-BE49-F238E27FC236}">
-                <a16:creationId xmlns:a16="http://schemas.microsoft.com/office/drawing/2014/main" xmlns="" id="{DD95EDCA-F990-D667-C84D-846A9581C684}"/>
+                <a16:creationId xmlns:a16="http://schemas.microsoft.com/office/drawing/2014/main" id="{DD95EDCA-F990-D667-C84D-846A9581C684}"/>
               </a:ext>
             </a:extLst>
           </p:cNvPr>
@@ -1818,7 +1818,7 @@
           <p:cNvPr id="7" name="Date Placeholder 6">
             <a:extLst>
               <a:ext uri="{FF2B5EF4-FFF2-40B4-BE49-F238E27FC236}">
-                <a16:creationId xmlns:a16="http://schemas.microsoft.com/office/drawing/2014/main" xmlns="" id="{02A7CCF4-6BC7-93D2-86CA-B8109A36CEFF}"/>
+                <a16:creationId xmlns:a16="http://schemas.microsoft.com/office/drawing/2014/main" id="{02A7CCF4-6BC7-93D2-86CA-B8109A36CEFF}"/>
               </a:ext>
             </a:extLst>
           </p:cNvPr>
@@ -1836,7 +1836,7 @@
           <a:p>
             <a:fld id="{F370C087-52C6-409C-91D2-CC15A1D05933}" type="datetimeFigureOut">
               <a:rPr lang="en-US" smtClean="0"/>
-              <a:t>12/11/2023</a:t>
+              <a:t>12/12/2023</a:t>
             </a:fld>
             <a:endParaRPr lang="en-US"/>
           </a:p>
@@ -1847,7 +1847,7 @@
           <p:cNvPr id="8" name="Footer Placeholder 7">
             <a:extLst>
               <a:ext uri="{FF2B5EF4-FFF2-40B4-BE49-F238E27FC236}">
-                <a16:creationId xmlns:a16="http://schemas.microsoft.com/office/drawing/2014/main" xmlns="" id="{01E01D1F-ABBC-A5D4-815A-5E0C785E8131}"/>
+                <a16:creationId xmlns:a16="http://schemas.microsoft.com/office/drawing/2014/main" id="{01E01D1F-ABBC-A5D4-815A-5E0C785E8131}"/>
               </a:ext>
             </a:extLst>
           </p:cNvPr>
@@ -1872,7 +1872,7 @@
           <p:cNvPr id="9" name="Slide Number Placeholder 8">
             <a:extLst>
               <a:ext uri="{FF2B5EF4-FFF2-40B4-BE49-F238E27FC236}">
-                <a16:creationId xmlns:a16="http://schemas.microsoft.com/office/drawing/2014/main" xmlns="" id="{1FFEBC61-BECA-135B-B57C-95CD32A8F185}"/>
+                <a16:creationId xmlns:a16="http://schemas.microsoft.com/office/drawing/2014/main" id="{1FFEBC61-BECA-135B-B57C-95CD32A8F185}"/>
               </a:ext>
             </a:extLst>
           </p:cNvPr>
@@ -1931,7 +1931,7 @@
           <p:cNvPr id="2" name="Title 1">
             <a:extLst>
               <a:ext uri="{FF2B5EF4-FFF2-40B4-BE49-F238E27FC236}">
-                <a16:creationId xmlns:a16="http://schemas.microsoft.com/office/drawing/2014/main" xmlns="" id="{4717E6EF-5876-3195-1F1A-C62B83C61AF8}"/>
+                <a16:creationId xmlns:a16="http://schemas.microsoft.com/office/drawing/2014/main" id="{4717E6EF-5876-3195-1F1A-C62B83C61AF8}"/>
               </a:ext>
             </a:extLst>
           </p:cNvPr>
@@ -1959,7 +1959,7 @@
           <p:cNvPr id="3" name="Date Placeholder 2">
             <a:extLst>
               <a:ext uri="{FF2B5EF4-FFF2-40B4-BE49-F238E27FC236}">
-                <a16:creationId xmlns:a16="http://schemas.microsoft.com/office/drawing/2014/main" xmlns="" id="{16E9CDE8-4A43-919F-CA75-11D10CC79531}"/>
+                <a16:creationId xmlns:a16="http://schemas.microsoft.com/office/drawing/2014/main" id="{16E9CDE8-4A43-919F-CA75-11D10CC79531}"/>
               </a:ext>
             </a:extLst>
           </p:cNvPr>
@@ -1977,7 +1977,7 @@
           <a:p>
             <a:fld id="{F370C087-52C6-409C-91D2-CC15A1D05933}" type="datetimeFigureOut">
               <a:rPr lang="en-US" smtClean="0"/>
-              <a:t>12/11/2023</a:t>
+              <a:t>12/12/2023</a:t>
             </a:fld>
             <a:endParaRPr lang="en-US"/>
           </a:p>
@@ -1988,7 +1988,7 @@
           <p:cNvPr id="4" name="Footer Placeholder 3">
             <a:extLst>
               <a:ext uri="{FF2B5EF4-FFF2-40B4-BE49-F238E27FC236}">
-                <a16:creationId xmlns:a16="http://schemas.microsoft.com/office/drawing/2014/main" xmlns="" id="{5B271E2D-D86E-4191-5F12-61168BD397BE}"/>
+                <a16:creationId xmlns:a16="http://schemas.microsoft.com/office/drawing/2014/main" id="{5B271E2D-D86E-4191-5F12-61168BD397BE}"/>
               </a:ext>
             </a:extLst>
           </p:cNvPr>
@@ -2013,7 +2013,7 @@
           <p:cNvPr id="5" name="Slide Number Placeholder 4">
             <a:extLst>
               <a:ext uri="{FF2B5EF4-FFF2-40B4-BE49-F238E27FC236}">
-                <a16:creationId xmlns:a16="http://schemas.microsoft.com/office/drawing/2014/main" xmlns="" id="{CC9E44DC-7E20-B9BA-A418-930EF787F991}"/>
+                <a16:creationId xmlns:a16="http://schemas.microsoft.com/office/drawing/2014/main" id="{CC9E44DC-7E20-B9BA-A418-930EF787F991}"/>
               </a:ext>
             </a:extLst>
           </p:cNvPr>
@@ -2072,7 +2072,7 @@
           <p:cNvPr id="2" name="Date Placeholder 1">
             <a:extLst>
               <a:ext uri="{FF2B5EF4-FFF2-40B4-BE49-F238E27FC236}">
-                <a16:creationId xmlns:a16="http://schemas.microsoft.com/office/drawing/2014/main" xmlns="" id="{C8FC0EB0-41A1-1204-A585-FC99285DD158}"/>
+                <a16:creationId xmlns:a16="http://schemas.microsoft.com/office/drawing/2014/main" id="{C8FC0EB0-41A1-1204-A585-FC99285DD158}"/>
               </a:ext>
             </a:extLst>
           </p:cNvPr>
@@ -2090,7 +2090,7 @@
           <a:p>
             <a:fld id="{F370C087-52C6-409C-91D2-CC15A1D05933}" type="datetimeFigureOut">
               <a:rPr lang="en-US" smtClean="0"/>
-              <a:t>12/11/2023</a:t>
+              <a:t>12/12/2023</a:t>
             </a:fld>
             <a:endParaRPr lang="en-US"/>
           </a:p>
@@ -2101,7 +2101,7 @@
           <p:cNvPr id="3" name="Footer Placeholder 2">
             <a:extLst>
               <a:ext uri="{FF2B5EF4-FFF2-40B4-BE49-F238E27FC236}">
-                <a16:creationId xmlns:a16="http://schemas.microsoft.com/office/drawing/2014/main" xmlns="" id="{830ACD57-19A7-ECA6-C85F-54AB4CE92244}"/>
+                <a16:creationId xmlns:a16="http://schemas.microsoft.com/office/drawing/2014/main" id="{830ACD57-19A7-ECA6-C85F-54AB4CE92244}"/>
               </a:ext>
             </a:extLst>
           </p:cNvPr>
@@ -2126,7 +2126,7 @@
           <p:cNvPr id="4" name="Slide Number Placeholder 3">
             <a:extLst>
               <a:ext uri="{FF2B5EF4-FFF2-40B4-BE49-F238E27FC236}">
-                <a16:creationId xmlns:a16="http://schemas.microsoft.com/office/drawing/2014/main" xmlns="" id="{DE5F716F-567D-1FFF-737D-0DA5ECFF43E4}"/>
+                <a16:creationId xmlns:a16="http://schemas.microsoft.com/office/drawing/2014/main" id="{DE5F716F-567D-1FFF-737D-0DA5ECFF43E4}"/>
               </a:ext>
             </a:extLst>
           </p:cNvPr>
@@ -2185,7 +2185,7 @@
           <p:cNvPr id="2" name="Title 1">
             <a:extLst>
               <a:ext uri="{FF2B5EF4-FFF2-40B4-BE49-F238E27FC236}">
-                <a16:creationId xmlns:a16="http://schemas.microsoft.com/office/drawing/2014/main" xmlns="" id="{DFF71BC5-D4C4-E959-6DDF-6447533B03C1}"/>
+                <a16:creationId xmlns:a16="http://schemas.microsoft.com/office/drawing/2014/main" id="{DFF71BC5-D4C4-E959-6DDF-6447533B03C1}"/>
               </a:ext>
             </a:extLst>
           </p:cNvPr>
@@ -2222,7 +2222,7 @@
           <p:cNvPr id="3" name="Content Placeholder 2">
             <a:extLst>
               <a:ext uri="{FF2B5EF4-FFF2-40B4-BE49-F238E27FC236}">
-                <a16:creationId xmlns:a16="http://schemas.microsoft.com/office/drawing/2014/main" xmlns="" id="{BABB695E-221A-2CA2-A18A-A59ED1037FAF}"/>
+                <a16:creationId xmlns:a16="http://schemas.microsoft.com/office/drawing/2014/main" id="{BABB695E-221A-2CA2-A18A-A59ED1037FAF}"/>
               </a:ext>
             </a:extLst>
           </p:cNvPr>
@@ -2312,7 +2312,7 @@
           <p:cNvPr id="4" name="Text Placeholder 3">
             <a:extLst>
               <a:ext uri="{FF2B5EF4-FFF2-40B4-BE49-F238E27FC236}">
-                <a16:creationId xmlns:a16="http://schemas.microsoft.com/office/drawing/2014/main" xmlns="" id="{0600C6A4-7896-8C01-2B56-0476D9590A06}"/>
+                <a16:creationId xmlns:a16="http://schemas.microsoft.com/office/drawing/2014/main" id="{0600C6A4-7896-8C01-2B56-0476D9590A06}"/>
               </a:ext>
             </a:extLst>
           </p:cNvPr>
@@ -2383,7 +2383,7 @@
           <p:cNvPr id="5" name="Date Placeholder 4">
             <a:extLst>
               <a:ext uri="{FF2B5EF4-FFF2-40B4-BE49-F238E27FC236}">
-                <a16:creationId xmlns:a16="http://schemas.microsoft.com/office/drawing/2014/main" xmlns="" id="{550D496A-872D-BD1A-97FB-4B2F2AB88E03}"/>
+                <a16:creationId xmlns:a16="http://schemas.microsoft.com/office/drawing/2014/main" id="{550D496A-872D-BD1A-97FB-4B2F2AB88E03}"/>
               </a:ext>
             </a:extLst>
           </p:cNvPr>
@@ -2401,7 +2401,7 @@
           <a:p>
             <a:fld id="{F370C087-52C6-409C-91D2-CC15A1D05933}" type="datetimeFigureOut">
               <a:rPr lang="en-US" smtClean="0"/>
-              <a:t>12/11/2023</a:t>
+              <a:t>12/12/2023</a:t>
             </a:fld>
             <a:endParaRPr lang="en-US"/>
           </a:p>
@@ -2412,7 +2412,7 @@
           <p:cNvPr id="6" name="Footer Placeholder 5">
             <a:extLst>
               <a:ext uri="{FF2B5EF4-FFF2-40B4-BE49-F238E27FC236}">
-                <a16:creationId xmlns:a16="http://schemas.microsoft.com/office/drawing/2014/main" xmlns="" id="{A39051CD-DCA9-2C43-0ADD-0A1F4EEB6523}"/>
+                <a16:creationId xmlns:a16="http://schemas.microsoft.com/office/drawing/2014/main" id="{A39051CD-DCA9-2C43-0ADD-0A1F4EEB6523}"/>
               </a:ext>
             </a:extLst>
           </p:cNvPr>
@@ -2437,7 +2437,7 @@
           <p:cNvPr id="7" name="Slide Number Placeholder 6">
             <a:extLst>
               <a:ext uri="{FF2B5EF4-FFF2-40B4-BE49-F238E27FC236}">
-                <a16:creationId xmlns:a16="http://schemas.microsoft.com/office/drawing/2014/main" xmlns="" id="{079252E7-DBD3-ED5C-1618-8DC8EA716966}"/>
+                <a16:creationId xmlns:a16="http://schemas.microsoft.com/office/drawing/2014/main" id="{079252E7-DBD3-ED5C-1618-8DC8EA716966}"/>
               </a:ext>
             </a:extLst>
           </p:cNvPr>
@@ -2496,7 +2496,7 @@
           <p:cNvPr id="2" name="Title 1">
             <a:extLst>
               <a:ext uri="{FF2B5EF4-FFF2-40B4-BE49-F238E27FC236}">
-                <a16:creationId xmlns:a16="http://schemas.microsoft.com/office/drawing/2014/main" xmlns="" id="{305BF143-E938-FD60-DD73-3FE0AA914255}"/>
+                <a16:creationId xmlns:a16="http://schemas.microsoft.com/office/drawing/2014/main" id="{305BF143-E938-FD60-DD73-3FE0AA914255}"/>
               </a:ext>
             </a:extLst>
           </p:cNvPr>
@@ -2533,7 +2533,7 @@
           <p:cNvPr id="3" name="Picture Placeholder 2">
             <a:extLst>
               <a:ext uri="{FF2B5EF4-FFF2-40B4-BE49-F238E27FC236}">
-                <a16:creationId xmlns:a16="http://schemas.microsoft.com/office/drawing/2014/main" xmlns="" id="{F962FB47-BED2-D437-DCBF-09EFBF7DF1D3}"/>
+                <a16:creationId xmlns:a16="http://schemas.microsoft.com/office/drawing/2014/main" id="{F962FB47-BED2-D437-DCBF-09EFBF7DF1D3}"/>
               </a:ext>
             </a:extLst>
           </p:cNvPr>
@@ -2600,7 +2600,7 @@
           <p:cNvPr id="4" name="Text Placeholder 3">
             <a:extLst>
               <a:ext uri="{FF2B5EF4-FFF2-40B4-BE49-F238E27FC236}">
-                <a16:creationId xmlns:a16="http://schemas.microsoft.com/office/drawing/2014/main" xmlns="" id="{AC4014DD-9259-1B23-0D31-08D1A5D8D7BD}"/>
+                <a16:creationId xmlns:a16="http://schemas.microsoft.com/office/drawing/2014/main" id="{AC4014DD-9259-1B23-0D31-08D1A5D8D7BD}"/>
               </a:ext>
             </a:extLst>
           </p:cNvPr>
@@ -2671,7 +2671,7 @@
           <p:cNvPr id="5" name="Date Placeholder 4">
             <a:extLst>
               <a:ext uri="{FF2B5EF4-FFF2-40B4-BE49-F238E27FC236}">
-                <a16:creationId xmlns:a16="http://schemas.microsoft.com/office/drawing/2014/main" xmlns="" id="{3066DE15-0969-6AA5-498A-6A09065A6CEE}"/>
+                <a16:creationId xmlns:a16="http://schemas.microsoft.com/office/drawing/2014/main" id="{3066DE15-0969-6AA5-498A-6A09065A6CEE}"/>
               </a:ext>
             </a:extLst>
           </p:cNvPr>
@@ -2689,7 +2689,7 @@
           <a:p>
             <a:fld id="{F370C087-52C6-409C-91D2-CC15A1D05933}" type="datetimeFigureOut">
               <a:rPr lang="en-US" smtClean="0"/>
-              <a:t>12/11/2023</a:t>
+              <a:t>12/12/2023</a:t>
             </a:fld>
             <a:endParaRPr lang="en-US"/>
           </a:p>
@@ -2700,7 +2700,7 @@
           <p:cNvPr id="6" name="Footer Placeholder 5">
             <a:extLst>
               <a:ext uri="{FF2B5EF4-FFF2-40B4-BE49-F238E27FC236}">
-                <a16:creationId xmlns:a16="http://schemas.microsoft.com/office/drawing/2014/main" xmlns="" id="{13BCE382-98D2-02E1-C527-835A97CB52F4}"/>
+                <a16:creationId xmlns:a16="http://schemas.microsoft.com/office/drawing/2014/main" id="{13BCE382-98D2-02E1-C527-835A97CB52F4}"/>
               </a:ext>
             </a:extLst>
           </p:cNvPr>
@@ -2725,7 +2725,7 @@
           <p:cNvPr id="7" name="Slide Number Placeholder 6">
             <a:extLst>
               <a:ext uri="{FF2B5EF4-FFF2-40B4-BE49-F238E27FC236}">
-                <a16:creationId xmlns:a16="http://schemas.microsoft.com/office/drawing/2014/main" xmlns="" id="{C25485A7-13C4-4499-176D-50FFEADFFB41}"/>
+                <a16:creationId xmlns:a16="http://schemas.microsoft.com/office/drawing/2014/main" id="{C25485A7-13C4-4499-176D-50FFEADFFB41}"/>
               </a:ext>
             </a:extLst>
           </p:cNvPr>
@@ -2789,7 +2789,7 @@
           <p:cNvPr id="2" name="Title Placeholder 1">
             <a:extLst>
               <a:ext uri="{FF2B5EF4-FFF2-40B4-BE49-F238E27FC236}">
-                <a16:creationId xmlns:a16="http://schemas.microsoft.com/office/drawing/2014/main" xmlns="" id="{0A7CF658-C77F-FBAC-E277-CBE8EC606CF4}"/>
+                <a16:creationId xmlns:a16="http://schemas.microsoft.com/office/drawing/2014/main" id="{0A7CF658-C77F-FBAC-E277-CBE8EC606CF4}"/>
               </a:ext>
             </a:extLst>
           </p:cNvPr>
@@ -2827,7 +2827,7 @@
           <p:cNvPr id="3" name="Text Placeholder 2">
             <a:extLst>
               <a:ext uri="{FF2B5EF4-FFF2-40B4-BE49-F238E27FC236}">
-                <a16:creationId xmlns:a16="http://schemas.microsoft.com/office/drawing/2014/main" xmlns="" id="{6818149B-E1B4-A11C-D923-3BBD9F15627C}"/>
+                <a16:creationId xmlns:a16="http://schemas.microsoft.com/office/drawing/2014/main" id="{6818149B-E1B4-A11C-D923-3BBD9F15627C}"/>
               </a:ext>
             </a:extLst>
           </p:cNvPr>
@@ -2894,7 +2894,7 @@
           <p:cNvPr id="4" name="Date Placeholder 3">
             <a:extLst>
               <a:ext uri="{FF2B5EF4-FFF2-40B4-BE49-F238E27FC236}">
-                <a16:creationId xmlns:a16="http://schemas.microsoft.com/office/drawing/2014/main" xmlns="" id="{7F761507-45D3-6B2B-468A-EFD46B6AB131}"/>
+                <a16:creationId xmlns:a16="http://schemas.microsoft.com/office/drawing/2014/main" id="{7F761507-45D3-6B2B-468A-EFD46B6AB131}"/>
               </a:ext>
             </a:extLst>
           </p:cNvPr>
@@ -2930,7 +2930,7 @@
           <a:p>
             <a:fld id="{F370C087-52C6-409C-91D2-CC15A1D05933}" type="datetimeFigureOut">
               <a:rPr lang="en-US" smtClean="0"/>
-              <a:t>12/11/2023</a:t>
+              <a:t>12/12/2023</a:t>
             </a:fld>
             <a:endParaRPr lang="en-US"/>
           </a:p>
@@ -2941,7 +2941,7 @@
           <p:cNvPr id="5" name="Footer Placeholder 4">
             <a:extLst>
               <a:ext uri="{FF2B5EF4-FFF2-40B4-BE49-F238E27FC236}">
-                <a16:creationId xmlns:a16="http://schemas.microsoft.com/office/drawing/2014/main" xmlns="" id="{65DFE97A-820B-8A76-4109-FE387CB47B3B}"/>
+                <a16:creationId xmlns:a16="http://schemas.microsoft.com/office/drawing/2014/main" id="{65DFE97A-820B-8A76-4109-FE387CB47B3B}"/>
               </a:ext>
             </a:extLst>
           </p:cNvPr>
@@ -2984,7 +2984,7 @@
           <p:cNvPr id="6" name="Slide Number Placeholder 5">
             <a:extLst>
               <a:ext uri="{FF2B5EF4-FFF2-40B4-BE49-F238E27FC236}">
-                <a16:creationId xmlns:a16="http://schemas.microsoft.com/office/drawing/2014/main" xmlns="" id="{87D9D6CA-50FD-151C-D2B1-F110E5E6CE40}"/>
+                <a16:creationId xmlns:a16="http://schemas.microsoft.com/office/drawing/2014/main" id="{87D9D6CA-50FD-151C-D2B1-F110E5E6CE40}"/>
               </a:ext>
             </a:extLst>
           </p:cNvPr>
@@ -3352,7 +3352,7 @@
           <p:cNvPr id="2" name="Title 1">
             <a:extLst>
               <a:ext uri="{FF2B5EF4-FFF2-40B4-BE49-F238E27FC236}">
-                <a16:creationId xmlns:a16="http://schemas.microsoft.com/office/drawing/2014/main" xmlns="" id="{6CB03261-8B01-D12D-EC92-250787B6004B}"/>
+                <a16:creationId xmlns:a16="http://schemas.microsoft.com/office/drawing/2014/main" id="{6CB03261-8B01-D12D-EC92-250787B6004B}"/>
               </a:ext>
             </a:extLst>
           </p:cNvPr>
@@ -3388,7 +3388,7 @@
           <p:cNvPr id="3" name="Subtitle 2">
             <a:extLst>
               <a:ext uri="{FF2B5EF4-FFF2-40B4-BE49-F238E27FC236}">
-                <a16:creationId xmlns:a16="http://schemas.microsoft.com/office/drawing/2014/main" xmlns="" id="{671C4B79-027E-316C-3238-05FC47AD62BF}"/>
+                <a16:creationId xmlns:a16="http://schemas.microsoft.com/office/drawing/2014/main" id="{671C4B79-027E-316C-3238-05FC47AD62BF}"/>
               </a:ext>
             </a:extLst>
           </p:cNvPr>
@@ -3433,13 +3433,6 @@
   <p:clrMapOvr>
     <a:masterClrMapping/>
   </p:clrMapOvr>
-  <p:timing>
-    <p:tnLst>
-      <p:par>
-        <p:cTn id="1" dur="indefinite" restart="never" nodeType="tmRoot"/>
-      </p:par>
-    </p:tnLst>
-  </p:timing>
 </p:sld>
 </file>
 
@@ -3465,7 +3458,7 @@
           <p:cNvPr id="2" name="Title 1">
             <a:extLst>
               <a:ext uri="{FF2B5EF4-FFF2-40B4-BE49-F238E27FC236}">
-                <a16:creationId xmlns:a16="http://schemas.microsoft.com/office/drawing/2014/main" xmlns="" id="{146167F6-9995-EEF4-62E1-79C351B607B7}"/>
+                <a16:creationId xmlns:a16="http://schemas.microsoft.com/office/drawing/2014/main" id="{146167F6-9995-EEF4-62E1-79C351B607B7}"/>
               </a:ext>
             </a:extLst>
           </p:cNvPr>
@@ -3504,7 +3497,7 @@
           <p:cNvPr id="8" name="Picture 7">
             <a:extLst>
               <a:ext uri="{FF2B5EF4-FFF2-40B4-BE49-F238E27FC236}">
-                <a16:creationId xmlns:a16="http://schemas.microsoft.com/office/drawing/2014/main" xmlns="" id="{B3A40198-CC80-EA86-371C-51FA81863314}"/>
+                <a16:creationId xmlns:a16="http://schemas.microsoft.com/office/drawing/2014/main" id="{B3A40198-CC80-EA86-371C-51FA81863314}"/>
               </a:ext>
             </a:extLst>
           </p:cNvPr>
@@ -3533,7 +3526,7 @@
           <p:cNvPr id="10" name="TextBox 9">
             <a:extLst>
               <a:ext uri="{FF2B5EF4-FFF2-40B4-BE49-F238E27FC236}">
-                <a16:creationId xmlns:a16="http://schemas.microsoft.com/office/drawing/2014/main" xmlns="" id="{BDDE792D-90F0-E379-EDF7-57947E2527FD}"/>
+                <a16:creationId xmlns:a16="http://schemas.microsoft.com/office/drawing/2014/main" id="{BDDE792D-90F0-E379-EDF7-57947E2527FD}"/>
               </a:ext>
             </a:extLst>
           </p:cNvPr>
@@ -3592,7 +3585,7 @@
           <p:cNvPr id="4" name="TextBox 3">
             <a:extLst>
               <a:ext uri="{FF2B5EF4-FFF2-40B4-BE49-F238E27FC236}">
-                <a16:creationId xmlns:a16="http://schemas.microsoft.com/office/drawing/2014/main" xmlns="" id="{8F977C7A-DAAA-3E00-9586-FF1E8B0B45D6}"/>
+                <a16:creationId xmlns:a16="http://schemas.microsoft.com/office/drawing/2014/main" id="{8F977C7A-DAAA-3E00-9586-FF1E8B0B45D6}"/>
               </a:ext>
             </a:extLst>
           </p:cNvPr>
@@ -3907,7 +3900,7 @@
           <p:cNvPr id="12" name="TextBox 11">
             <a:extLst>
               <a:ext uri="{FF2B5EF4-FFF2-40B4-BE49-F238E27FC236}">
-                <a16:creationId xmlns:a16="http://schemas.microsoft.com/office/drawing/2014/main" xmlns="" id="{AC4109C4-8C08-3A71-A9E5-6BBB8A0EB6AE}"/>
+                <a16:creationId xmlns:a16="http://schemas.microsoft.com/office/drawing/2014/main" id="{AC4109C4-8C08-3A71-A9E5-6BBB8A0EB6AE}"/>
               </a:ext>
             </a:extLst>
           </p:cNvPr>
@@ -3944,7 +3937,7 @@
           <p:cNvPr id="13" name="TextBox 12">
             <a:extLst>
               <a:ext uri="{FF2B5EF4-FFF2-40B4-BE49-F238E27FC236}">
-                <a16:creationId xmlns:a16="http://schemas.microsoft.com/office/drawing/2014/main" xmlns="" id="{09A8E4FB-14D6-E543-A304-A146639A7904}"/>
+                <a16:creationId xmlns:a16="http://schemas.microsoft.com/office/drawing/2014/main" id="{09A8E4FB-14D6-E543-A304-A146639A7904}"/>
               </a:ext>
             </a:extLst>
           </p:cNvPr>
@@ -3981,7 +3974,7 @@
           <p:cNvPr id="14" name="TextBox 13">
             <a:extLst>
               <a:ext uri="{FF2B5EF4-FFF2-40B4-BE49-F238E27FC236}">
-                <a16:creationId xmlns:a16="http://schemas.microsoft.com/office/drawing/2014/main" xmlns="" id="{421E43D3-C6C2-1991-4C2B-0BD5C9516F70}"/>
+                <a16:creationId xmlns:a16="http://schemas.microsoft.com/office/drawing/2014/main" id="{421E43D3-C6C2-1991-4C2B-0BD5C9516F70}"/>
               </a:ext>
             </a:extLst>
           </p:cNvPr>
@@ -4018,7 +4011,7 @@
           <p:cNvPr id="15" name="TextBox 14">
             <a:extLst>
               <a:ext uri="{FF2B5EF4-FFF2-40B4-BE49-F238E27FC236}">
-                <a16:creationId xmlns:a16="http://schemas.microsoft.com/office/drawing/2014/main" xmlns="" id="{A953A253-957A-DEFC-FC16-0D61A1122054}"/>
+                <a16:creationId xmlns:a16="http://schemas.microsoft.com/office/drawing/2014/main" id="{A953A253-957A-DEFC-FC16-0D61A1122054}"/>
               </a:ext>
             </a:extLst>
           </p:cNvPr>
@@ -4962,7 +4955,7 @@
           <p:cNvPr id="2" name="Title 1">
             <a:extLst>
               <a:ext uri="{FF2B5EF4-FFF2-40B4-BE49-F238E27FC236}">
-                <a16:creationId xmlns:a16="http://schemas.microsoft.com/office/drawing/2014/main" xmlns="" id="{146167F6-9995-EEF4-62E1-79C351B607B7}"/>
+                <a16:creationId xmlns:a16="http://schemas.microsoft.com/office/drawing/2014/main" id="{146167F6-9995-EEF4-62E1-79C351B607B7}"/>
               </a:ext>
             </a:extLst>
           </p:cNvPr>
@@ -5009,7 +5002,7 @@
           <p:cNvPr id="4" name="TextBox 3">
             <a:extLst>
               <a:ext uri="{FF2B5EF4-FFF2-40B4-BE49-F238E27FC236}">
-                <a16:creationId xmlns:a16="http://schemas.microsoft.com/office/drawing/2014/main" xmlns="" id="{8F977C7A-DAAA-3E00-9586-FF1E8B0B45D6}"/>
+                <a16:creationId xmlns:a16="http://schemas.microsoft.com/office/drawing/2014/main" id="{8F977C7A-DAAA-3E00-9586-FF1E8B0B45D6}"/>
               </a:ext>
             </a:extLst>
           </p:cNvPr>
@@ -6066,7 +6059,7 @@
           <p:cNvPr id="2" name="Title 1">
             <a:extLst>
               <a:ext uri="{FF2B5EF4-FFF2-40B4-BE49-F238E27FC236}">
-                <a16:creationId xmlns:a16="http://schemas.microsoft.com/office/drawing/2014/main" xmlns="" id="{146167F6-9995-EEF4-62E1-79C351B607B7}"/>
+                <a16:creationId xmlns:a16="http://schemas.microsoft.com/office/drawing/2014/main" id="{146167F6-9995-EEF4-62E1-79C351B607B7}"/>
               </a:ext>
             </a:extLst>
           </p:cNvPr>
@@ -6101,7 +6094,7 @@
           <p:cNvPr id="4" name="TextBox 3">
             <a:extLst>
               <a:ext uri="{FF2B5EF4-FFF2-40B4-BE49-F238E27FC236}">
-                <a16:creationId xmlns:a16="http://schemas.microsoft.com/office/drawing/2014/main" xmlns="" id="{8F977C7A-DAAA-3E00-9586-FF1E8B0B45D6}"/>
+                <a16:creationId xmlns:a16="http://schemas.microsoft.com/office/drawing/2014/main" id="{8F977C7A-DAAA-3E00-9586-FF1E8B0B45D6}"/>
               </a:ext>
             </a:extLst>
           </p:cNvPr>
@@ -6341,7 +6334,7 @@
           <p:cNvPr id="3" name="Picture 2">
             <a:extLst>
               <a:ext uri="{FF2B5EF4-FFF2-40B4-BE49-F238E27FC236}">
-                <a16:creationId xmlns:a16="http://schemas.microsoft.com/office/drawing/2014/main" xmlns="" id="{E522FD0D-30F2-7D18-7397-2C1C5ADE8910}"/>
+                <a16:creationId xmlns:a16="http://schemas.microsoft.com/office/drawing/2014/main" id="{E522FD0D-30F2-7D18-7397-2C1C5ADE8910}"/>
               </a:ext>
             </a:extLst>
           </p:cNvPr>
@@ -6370,7 +6363,7 @@
           <p:cNvPr id="5" name="Oval 4">
             <a:extLst>
               <a:ext uri="{FF2B5EF4-FFF2-40B4-BE49-F238E27FC236}">
-                <a16:creationId xmlns:a16="http://schemas.microsoft.com/office/drawing/2014/main" xmlns="" id="{BF9F796F-C414-9E86-3526-7FA816351051}"/>
+                <a16:creationId xmlns:a16="http://schemas.microsoft.com/office/drawing/2014/main" id="{BF9F796F-C414-9E86-3526-7FA816351051}"/>
               </a:ext>
             </a:extLst>
           </p:cNvPr>
@@ -6422,7 +6415,7 @@
           <p:cNvPr id="10" name="Oval 9">
             <a:extLst>
               <a:ext uri="{FF2B5EF4-FFF2-40B4-BE49-F238E27FC236}">
-                <a16:creationId xmlns:a16="http://schemas.microsoft.com/office/drawing/2014/main" xmlns="" id="{CA0510D4-916F-C754-576B-0F2DDDDDEB6E}"/>
+                <a16:creationId xmlns:a16="http://schemas.microsoft.com/office/drawing/2014/main" id="{CA0510D4-916F-C754-576B-0F2DDDDDEB6E}"/>
               </a:ext>
             </a:extLst>
           </p:cNvPr>
@@ -6476,7 +6469,7 @@
               <p:cNvPr id="11" name="TextBox 10">
                 <a:extLst>
                   <a:ext uri="{FF2B5EF4-FFF2-40B4-BE49-F238E27FC236}">
-                    <a16:creationId xmlns:a16="http://schemas.microsoft.com/office/drawing/2014/main" xmlns="" id="{DCDF7691-F68E-E8B2-56F1-7481DB530C4C}"/>
+                    <a16:creationId xmlns:a16="http://schemas.microsoft.com/office/drawing/2014/main" id="{DCDF7691-F68E-E8B2-56F1-7481DB530C4C}"/>
                   </a:ext>
                 </a:extLst>
               </p:cNvPr>
@@ -7156,7 +7149,7 @@
           <p:cNvPr id="2" name="Title 1">
             <a:extLst>
               <a:ext uri="{FF2B5EF4-FFF2-40B4-BE49-F238E27FC236}">
-                <a16:creationId xmlns:a16="http://schemas.microsoft.com/office/drawing/2014/main" xmlns="" id="{146167F6-9995-EEF4-62E1-79C351B607B7}"/>
+                <a16:creationId xmlns:a16="http://schemas.microsoft.com/office/drawing/2014/main" id="{146167F6-9995-EEF4-62E1-79C351B607B7}"/>
               </a:ext>
             </a:extLst>
           </p:cNvPr>
@@ -7195,7 +7188,7 @@
           <p:cNvPr id="8" name="Picture 7">
             <a:extLst>
               <a:ext uri="{FF2B5EF4-FFF2-40B4-BE49-F238E27FC236}">
-                <a16:creationId xmlns:a16="http://schemas.microsoft.com/office/drawing/2014/main" xmlns="" id="{B3A40198-CC80-EA86-371C-51FA81863314}"/>
+                <a16:creationId xmlns:a16="http://schemas.microsoft.com/office/drawing/2014/main" id="{B3A40198-CC80-EA86-371C-51FA81863314}"/>
               </a:ext>
             </a:extLst>
           </p:cNvPr>
@@ -7224,7 +7217,7 @@
           <p:cNvPr id="10" name="TextBox 9">
             <a:extLst>
               <a:ext uri="{FF2B5EF4-FFF2-40B4-BE49-F238E27FC236}">
-                <a16:creationId xmlns:a16="http://schemas.microsoft.com/office/drawing/2014/main" xmlns="" id="{BDDE792D-90F0-E379-EDF7-57947E2527FD}"/>
+                <a16:creationId xmlns:a16="http://schemas.microsoft.com/office/drawing/2014/main" id="{BDDE792D-90F0-E379-EDF7-57947E2527FD}"/>
               </a:ext>
             </a:extLst>
           </p:cNvPr>
@@ -7283,7 +7276,7 @@
           <p:cNvPr id="4" name="TextBox 3">
             <a:extLst>
               <a:ext uri="{FF2B5EF4-FFF2-40B4-BE49-F238E27FC236}">
-                <a16:creationId xmlns:a16="http://schemas.microsoft.com/office/drawing/2014/main" xmlns="" id="{8F977C7A-DAAA-3E00-9586-FF1E8B0B45D6}"/>
+                <a16:creationId xmlns:a16="http://schemas.microsoft.com/office/drawing/2014/main" id="{8F977C7A-DAAA-3E00-9586-FF1E8B0B45D6}"/>
               </a:ext>
             </a:extLst>
           </p:cNvPr>
@@ -7539,7 +7532,7 @@
           <p:cNvPr id="12" name="TextBox 11">
             <a:extLst>
               <a:ext uri="{FF2B5EF4-FFF2-40B4-BE49-F238E27FC236}">
-                <a16:creationId xmlns:a16="http://schemas.microsoft.com/office/drawing/2014/main" xmlns="" id="{AC4109C4-8C08-3A71-A9E5-6BBB8A0EB6AE}"/>
+                <a16:creationId xmlns:a16="http://schemas.microsoft.com/office/drawing/2014/main" id="{AC4109C4-8C08-3A71-A9E5-6BBB8A0EB6AE}"/>
               </a:ext>
             </a:extLst>
           </p:cNvPr>
@@ -7576,7 +7569,7 @@
           <p:cNvPr id="13" name="TextBox 12">
             <a:extLst>
               <a:ext uri="{FF2B5EF4-FFF2-40B4-BE49-F238E27FC236}">
-                <a16:creationId xmlns:a16="http://schemas.microsoft.com/office/drawing/2014/main" xmlns="" id="{09A8E4FB-14D6-E543-A304-A146639A7904}"/>
+                <a16:creationId xmlns:a16="http://schemas.microsoft.com/office/drawing/2014/main" id="{09A8E4FB-14D6-E543-A304-A146639A7904}"/>
               </a:ext>
             </a:extLst>
           </p:cNvPr>
@@ -7613,7 +7606,7 @@
           <p:cNvPr id="14" name="TextBox 13">
             <a:extLst>
               <a:ext uri="{FF2B5EF4-FFF2-40B4-BE49-F238E27FC236}">
-                <a16:creationId xmlns:a16="http://schemas.microsoft.com/office/drawing/2014/main" xmlns="" id="{421E43D3-C6C2-1991-4C2B-0BD5C9516F70}"/>
+                <a16:creationId xmlns:a16="http://schemas.microsoft.com/office/drawing/2014/main" id="{421E43D3-C6C2-1991-4C2B-0BD5C9516F70}"/>
               </a:ext>
             </a:extLst>
           </p:cNvPr>
@@ -7650,7 +7643,7 @@
           <p:cNvPr id="15" name="TextBox 14">
             <a:extLst>
               <a:ext uri="{FF2B5EF4-FFF2-40B4-BE49-F238E27FC236}">
-                <a16:creationId xmlns:a16="http://schemas.microsoft.com/office/drawing/2014/main" xmlns="" id="{A953A253-957A-DEFC-FC16-0D61A1122054}"/>
+                <a16:creationId xmlns:a16="http://schemas.microsoft.com/office/drawing/2014/main" id="{A953A253-957A-DEFC-FC16-0D61A1122054}"/>
               </a:ext>
             </a:extLst>
           </p:cNvPr>
@@ -7689,7 +7682,7 @@
               <p:cNvPr id="3" name="TextBox 2">
                 <a:extLst>
                   <a:ext uri="{FF2B5EF4-FFF2-40B4-BE49-F238E27FC236}">
-                    <a16:creationId xmlns:a16="http://schemas.microsoft.com/office/drawing/2014/main" xmlns="" id="{7927A5CD-5120-E194-41BA-6BE4DD69DE16}"/>
+                    <a16:creationId xmlns:a16="http://schemas.microsoft.com/office/drawing/2014/main" id="{7927A5CD-5120-E194-41BA-6BE4DD69DE16}"/>
                   </a:ext>
                 </a:extLst>
               </p:cNvPr>
@@ -7848,7 +7841,7 @@
           <p:cNvPr id="5" name="TextBox 4">
             <a:extLst>
               <a:ext uri="{FF2B5EF4-FFF2-40B4-BE49-F238E27FC236}">
-                <a16:creationId xmlns:a16="http://schemas.microsoft.com/office/drawing/2014/main" xmlns="" id="{C91F8A29-0FE1-ACCF-A062-B7979E01815F}"/>
+                <a16:creationId xmlns:a16="http://schemas.microsoft.com/office/drawing/2014/main" id="{C91F8A29-0FE1-ACCF-A062-B7979E01815F}"/>
               </a:ext>
             </a:extLst>
           </p:cNvPr>
@@ -8620,7 +8613,7 @@
           <p:cNvPr id="3" name="Picture 2">
             <a:extLst>
               <a:ext uri="{FF2B5EF4-FFF2-40B4-BE49-F238E27FC236}">
-                <a16:creationId xmlns:a16="http://schemas.microsoft.com/office/drawing/2014/main" xmlns="" id="{E522FD0D-30F2-7D18-7397-2C1C5ADE8910}"/>
+                <a16:creationId xmlns:a16="http://schemas.microsoft.com/office/drawing/2014/main" id="{E522FD0D-30F2-7D18-7397-2C1C5ADE8910}"/>
               </a:ext>
             </a:extLst>
           </p:cNvPr>
@@ -8649,7 +8642,7 @@
           <p:cNvPr id="2" name="Title 1">
             <a:extLst>
               <a:ext uri="{FF2B5EF4-FFF2-40B4-BE49-F238E27FC236}">
-                <a16:creationId xmlns:a16="http://schemas.microsoft.com/office/drawing/2014/main" xmlns="" id="{146167F6-9995-EEF4-62E1-79C351B607B7}"/>
+                <a16:creationId xmlns:a16="http://schemas.microsoft.com/office/drawing/2014/main" id="{146167F6-9995-EEF4-62E1-79C351B607B7}"/>
               </a:ext>
             </a:extLst>
           </p:cNvPr>
@@ -8684,7 +8677,7 @@
           <p:cNvPr id="4" name="TextBox 3">
             <a:extLst>
               <a:ext uri="{FF2B5EF4-FFF2-40B4-BE49-F238E27FC236}">
-                <a16:creationId xmlns:a16="http://schemas.microsoft.com/office/drawing/2014/main" xmlns="" id="{8F977C7A-DAAA-3E00-9586-FF1E8B0B45D6}"/>
+                <a16:creationId xmlns:a16="http://schemas.microsoft.com/office/drawing/2014/main" id="{8F977C7A-DAAA-3E00-9586-FF1E8B0B45D6}"/>
               </a:ext>
             </a:extLst>
           </p:cNvPr>
@@ -8985,7 +8978,7 @@
           <p:cNvPr id="5" name="Oval 4">
             <a:extLst>
               <a:ext uri="{FF2B5EF4-FFF2-40B4-BE49-F238E27FC236}">
-                <a16:creationId xmlns:a16="http://schemas.microsoft.com/office/drawing/2014/main" xmlns="" id="{BF9F796F-C414-9E86-3526-7FA816351051}"/>
+                <a16:creationId xmlns:a16="http://schemas.microsoft.com/office/drawing/2014/main" id="{BF9F796F-C414-9E86-3526-7FA816351051}"/>
               </a:ext>
             </a:extLst>
           </p:cNvPr>
@@ -9035,7 +9028,7 @@
               <p:cNvPr id="11" name="TextBox 10">
                 <a:extLst>
                   <a:ext uri="{FF2B5EF4-FFF2-40B4-BE49-F238E27FC236}">
-                    <a16:creationId xmlns:a16="http://schemas.microsoft.com/office/drawing/2014/main" xmlns="" id="{DCDF7691-F68E-E8B2-56F1-7481DB530C4C}"/>
+                    <a16:creationId xmlns:a16="http://schemas.microsoft.com/office/drawing/2014/main" id="{DCDF7691-F68E-E8B2-56F1-7481DB530C4C}"/>
                   </a:ext>
                 </a:extLst>
               </p:cNvPr>
@@ -9577,7 +9570,7 @@
           <p:cNvPr id="2" name="Title 1">
             <a:extLst>
               <a:ext uri="{FF2B5EF4-FFF2-40B4-BE49-F238E27FC236}">
-                <a16:creationId xmlns:a16="http://schemas.microsoft.com/office/drawing/2014/main" xmlns="" id="{146167F6-9995-EEF4-62E1-79C351B607B7}"/>
+                <a16:creationId xmlns:a16="http://schemas.microsoft.com/office/drawing/2014/main" id="{146167F6-9995-EEF4-62E1-79C351B607B7}"/>
               </a:ext>
             </a:extLst>
           </p:cNvPr>
@@ -9621,7 +9614,7 @@
           <p:cNvPr id="8" name="Picture 7">
             <a:extLst>
               <a:ext uri="{FF2B5EF4-FFF2-40B4-BE49-F238E27FC236}">
-                <a16:creationId xmlns:a16="http://schemas.microsoft.com/office/drawing/2014/main" xmlns="" id="{B3A40198-CC80-EA86-371C-51FA81863314}"/>
+                <a16:creationId xmlns:a16="http://schemas.microsoft.com/office/drawing/2014/main" id="{B3A40198-CC80-EA86-371C-51FA81863314}"/>
               </a:ext>
             </a:extLst>
           </p:cNvPr>
@@ -9650,7 +9643,7 @@
           <p:cNvPr id="10" name="TextBox 9">
             <a:extLst>
               <a:ext uri="{FF2B5EF4-FFF2-40B4-BE49-F238E27FC236}">
-                <a16:creationId xmlns:a16="http://schemas.microsoft.com/office/drawing/2014/main" xmlns="" id="{BDDE792D-90F0-E379-EDF7-57947E2527FD}"/>
+                <a16:creationId xmlns:a16="http://schemas.microsoft.com/office/drawing/2014/main" id="{BDDE792D-90F0-E379-EDF7-57947E2527FD}"/>
               </a:ext>
             </a:extLst>
           </p:cNvPr>
@@ -9709,7 +9702,7 @@
           <p:cNvPr id="4" name="TextBox 3">
             <a:extLst>
               <a:ext uri="{FF2B5EF4-FFF2-40B4-BE49-F238E27FC236}">
-                <a16:creationId xmlns:a16="http://schemas.microsoft.com/office/drawing/2014/main" xmlns="" id="{8F977C7A-DAAA-3E00-9586-FF1E8B0B45D6}"/>
+                <a16:creationId xmlns:a16="http://schemas.microsoft.com/office/drawing/2014/main" id="{8F977C7A-DAAA-3E00-9586-FF1E8B0B45D6}"/>
               </a:ext>
             </a:extLst>
           </p:cNvPr>
@@ -9967,7 +9960,7 @@
               <p:cNvPr id="5" name="TextBox 4">
                 <a:extLst>
                   <a:ext uri="{FF2B5EF4-FFF2-40B4-BE49-F238E27FC236}">
-                    <a16:creationId xmlns:a16="http://schemas.microsoft.com/office/drawing/2014/main" xmlns="" id="{C502C96F-709F-65CE-1F1B-07E252C00B42}"/>
+                    <a16:creationId xmlns:a16="http://schemas.microsoft.com/office/drawing/2014/main" id="{C502C96F-709F-65CE-1F1B-07E252C00B42}"/>
                   </a:ext>
                 </a:extLst>
               </p:cNvPr>
@@ -10098,7 +10091,7 @@
           <p:cNvPr id="6" name="TextBox 5">
             <a:extLst>
               <a:ext uri="{FF2B5EF4-FFF2-40B4-BE49-F238E27FC236}">
-                <a16:creationId xmlns:a16="http://schemas.microsoft.com/office/drawing/2014/main" xmlns="" id="{98ADC6B3-B0A7-ABE3-F86F-76ACAF824A1A}"/>
+                <a16:creationId xmlns:a16="http://schemas.microsoft.com/office/drawing/2014/main" id="{98ADC6B3-B0A7-ABE3-F86F-76ACAF824A1A}"/>
               </a:ext>
             </a:extLst>
           </p:cNvPr>
@@ -10218,7 +10211,7 @@
           <p:cNvPr id="7" name="TextBox 6">
             <a:extLst>
               <a:ext uri="{FF2B5EF4-FFF2-40B4-BE49-F238E27FC236}">
-                <a16:creationId xmlns:a16="http://schemas.microsoft.com/office/drawing/2014/main" xmlns="" id="{A612D0B8-DD37-9AD4-66E3-9DE01D5A1CD7}"/>
+                <a16:creationId xmlns:a16="http://schemas.microsoft.com/office/drawing/2014/main" id="{A612D0B8-DD37-9AD4-66E3-9DE01D5A1CD7}"/>
               </a:ext>
             </a:extLst>
           </p:cNvPr>
@@ -10255,7 +10248,7 @@
           <p:cNvPr id="9" name="TextBox 8">
             <a:extLst>
               <a:ext uri="{FF2B5EF4-FFF2-40B4-BE49-F238E27FC236}">
-                <a16:creationId xmlns:a16="http://schemas.microsoft.com/office/drawing/2014/main" xmlns="" id="{B66AC161-DFFC-1BFA-ECC2-0630F98B00F4}"/>
+                <a16:creationId xmlns:a16="http://schemas.microsoft.com/office/drawing/2014/main" id="{B66AC161-DFFC-1BFA-ECC2-0630F98B00F4}"/>
               </a:ext>
             </a:extLst>
           </p:cNvPr>
@@ -10292,7 +10285,7 @@
           <p:cNvPr id="11" name="TextBox 10">
             <a:extLst>
               <a:ext uri="{FF2B5EF4-FFF2-40B4-BE49-F238E27FC236}">
-                <a16:creationId xmlns:a16="http://schemas.microsoft.com/office/drawing/2014/main" xmlns="" id="{FF26A126-C343-DD90-F813-01FB94C12F51}"/>
+                <a16:creationId xmlns:a16="http://schemas.microsoft.com/office/drawing/2014/main" id="{FF26A126-C343-DD90-F813-01FB94C12F51}"/>
               </a:ext>
             </a:extLst>
           </p:cNvPr>
@@ -10329,7 +10322,7 @@
           <p:cNvPr id="16" name="TextBox 15">
             <a:extLst>
               <a:ext uri="{FF2B5EF4-FFF2-40B4-BE49-F238E27FC236}">
-                <a16:creationId xmlns:a16="http://schemas.microsoft.com/office/drawing/2014/main" xmlns="" id="{6C2ADCA8-6C0A-151C-AFB1-2D5BBCFDAAD5}"/>
+                <a16:creationId xmlns:a16="http://schemas.microsoft.com/office/drawing/2014/main" id="{6C2ADCA8-6C0A-151C-AFB1-2D5BBCFDAAD5}"/>
               </a:ext>
             </a:extLst>
           </p:cNvPr>
@@ -10368,7 +10361,7 @@
               <p:cNvPr id="17" name="TextBox 16">
                 <a:extLst>
                   <a:ext uri="{FF2B5EF4-FFF2-40B4-BE49-F238E27FC236}">
-                    <a16:creationId xmlns:a16="http://schemas.microsoft.com/office/drawing/2014/main" xmlns="" id="{3761EBFF-F7D1-FF38-A325-C015F3128530}"/>
+                    <a16:creationId xmlns:a16="http://schemas.microsoft.com/office/drawing/2014/main" id="{3761EBFF-F7D1-FF38-A325-C015F3128530}"/>
                   </a:ext>
                 </a:extLst>
               </p:cNvPr>
@@ -11251,7 +11244,7 @@
           <p:cNvPr id="3" name="Picture 2">
             <a:extLst>
               <a:ext uri="{FF2B5EF4-FFF2-40B4-BE49-F238E27FC236}">
-                <a16:creationId xmlns:a16="http://schemas.microsoft.com/office/drawing/2014/main" xmlns="" id="{E522FD0D-30F2-7D18-7397-2C1C5ADE8910}"/>
+                <a16:creationId xmlns:a16="http://schemas.microsoft.com/office/drawing/2014/main" id="{E522FD0D-30F2-7D18-7397-2C1C5ADE8910}"/>
               </a:ext>
             </a:extLst>
           </p:cNvPr>
@@ -11280,7 +11273,7 @@
           <p:cNvPr id="2" name="Title 1">
             <a:extLst>
               <a:ext uri="{FF2B5EF4-FFF2-40B4-BE49-F238E27FC236}">
-                <a16:creationId xmlns:a16="http://schemas.microsoft.com/office/drawing/2014/main" xmlns="" id="{146167F6-9995-EEF4-62E1-79C351B607B7}"/>
+                <a16:creationId xmlns:a16="http://schemas.microsoft.com/office/drawing/2014/main" id="{146167F6-9995-EEF4-62E1-79C351B607B7}"/>
               </a:ext>
             </a:extLst>
           </p:cNvPr>
@@ -11323,7 +11316,7 @@
           <p:cNvPr id="4" name="TextBox 3">
             <a:extLst>
               <a:ext uri="{FF2B5EF4-FFF2-40B4-BE49-F238E27FC236}">
-                <a16:creationId xmlns:a16="http://schemas.microsoft.com/office/drawing/2014/main" xmlns="" id="{8F977C7A-DAAA-3E00-9586-FF1E8B0B45D6}"/>
+                <a16:creationId xmlns:a16="http://schemas.microsoft.com/office/drawing/2014/main" id="{8F977C7A-DAAA-3E00-9586-FF1E8B0B45D6}"/>
               </a:ext>
             </a:extLst>
           </p:cNvPr>
@@ -11502,7 +11495,7 @@
           <p:cNvPr id="5" name="Oval 4">
             <a:extLst>
               <a:ext uri="{FF2B5EF4-FFF2-40B4-BE49-F238E27FC236}">
-                <a16:creationId xmlns:a16="http://schemas.microsoft.com/office/drawing/2014/main" xmlns="" id="{BF9F796F-C414-9E86-3526-7FA816351051}"/>
+                <a16:creationId xmlns:a16="http://schemas.microsoft.com/office/drawing/2014/main" id="{BF9F796F-C414-9E86-3526-7FA816351051}"/>
               </a:ext>
             </a:extLst>
           </p:cNvPr>
@@ -11552,7 +11545,7 @@
               <p:cNvPr id="11" name="TextBox 10">
                 <a:extLst>
                   <a:ext uri="{FF2B5EF4-FFF2-40B4-BE49-F238E27FC236}">
-                    <a16:creationId xmlns:a16="http://schemas.microsoft.com/office/drawing/2014/main" xmlns="" id="{DCDF7691-F68E-E8B2-56F1-7481DB530C4C}"/>
+                    <a16:creationId xmlns:a16="http://schemas.microsoft.com/office/drawing/2014/main" id="{DCDF7691-F68E-E8B2-56F1-7481DB530C4C}"/>
                   </a:ext>
                 </a:extLst>
               </p:cNvPr>
@@ -11979,7 +11972,7 @@
           <p:cNvPr id="2" name="Title 1">
             <a:extLst>
               <a:ext uri="{FF2B5EF4-FFF2-40B4-BE49-F238E27FC236}">
-                <a16:creationId xmlns:a16="http://schemas.microsoft.com/office/drawing/2014/main" xmlns="" id="{146167F6-9995-EEF4-62E1-79C351B607B7}"/>
+                <a16:creationId xmlns:a16="http://schemas.microsoft.com/office/drawing/2014/main" id="{146167F6-9995-EEF4-62E1-79C351B607B7}"/>
               </a:ext>
             </a:extLst>
           </p:cNvPr>
@@ -12018,7 +12011,7 @@
           <p:cNvPr id="8" name="Picture 7">
             <a:extLst>
               <a:ext uri="{FF2B5EF4-FFF2-40B4-BE49-F238E27FC236}">
-                <a16:creationId xmlns:a16="http://schemas.microsoft.com/office/drawing/2014/main" xmlns="" id="{B3A40198-CC80-EA86-371C-51FA81863314}"/>
+                <a16:creationId xmlns:a16="http://schemas.microsoft.com/office/drawing/2014/main" id="{B3A40198-CC80-EA86-371C-51FA81863314}"/>
               </a:ext>
             </a:extLst>
           </p:cNvPr>
@@ -12047,7 +12040,7 @@
           <p:cNvPr id="10" name="TextBox 9">
             <a:extLst>
               <a:ext uri="{FF2B5EF4-FFF2-40B4-BE49-F238E27FC236}">
-                <a16:creationId xmlns:a16="http://schemas.microsoft.com/office/drawing/2014/main" xmlns="" id="{BDDE792D-90F0-E379-EDF7-57947E2527FD}"/>
+                <a16:creationId xmlns:a16="http://schemas.microsoft.com/office/drawing/2014/main" id="{BDDE792D-90F0-E379-EDF7-57947E2527FD}"/>
               </a:ext>
             </a:extLst>
           </p:cNvPr>
@@ -12106,7 +12099,7 @@
           <p:cNvPr id="12" name="TextBox 11">
             <a:extLst>
               <a:ext uri="{FF2B5EF4-FFF2-40B4-BE49-F238E27FC236}">
-                <a16:creationId xmlns:a16="http://schemas.microsoft.com/office/drawing/2014/main" xmlns="" id="{AC4109C4-8C08-3A71-A9E5-6BBB8A0EB6AE}"/>
+                <a16:creationId xmlns:a16="http://schemas.microsoft.com/office/drawing/2014/main" id="{AC4109C4-8C08-3A71-A9E5-6BBB8A0EB6AE}"/>
               </a:ext>
             </a:extLst>
           </p:cNvPr>
@@ -12145,7 +12138,7 @@
               <p:cNvPr id="5" name="TextBox 4">
                 <a:extLst>
                   <a:ext uri="{FF2B5EF4-FFF2-40B4-BE49-F238E27FC236}">
-                    <a16:creationId xmlns:a16="http://schemas.microsoft.com/office/drawing/2014/main" xmlns="" id="{C502C96F-709F-65CE-1F1B-07E252C00B42}"/>
+                    <a16:creationId xmlns:a16="http://schemas.microsoft.com/office/drawing/2014/main" id="{C502C96F-709F-65CE-1F1B-07E252C00B42}"/>
                   </a:ext>
                 </a:extLst>
               </p:cNvPr>
@@ -12278,7 +12271,7 @@
               <p:cNvPr id="3" name="TextBox 2">
                 <a:extLst>
                   <a:ext uri="{FF2B5EF4-FFF2-40B4-BE49-F238E27FC236}">
-                    <a16:creationId xmlns:a16="http://schemas.microsoft.com/office/drawing/2014/main" xmlns="" id="{684CC091-D576-E1AB-D060-D202096716E7}"/>
+                    <a16:creationId xmlns:a16="http://schemas.microsoft.com/office/drawing/2014/main" id="{684CC091-D576-E1AB-D060-D202096716E7}"/>
                   </a:ext>
                 </a:extLst>
               </p:cNvPr>
@@ -12415,7 +12408,7 @@
           <p:cNvPr id="6" name="TextBox 5">
             <a:extLst>
               <a:ext uri="{FF2B5EF4-FFF2-40B4-BE49-F238E27FC236}">
-                <a16:creationId xmlns:a16="http://schemas.microsoft.com/office/drawing/2014/main" xmlns="" id="{66F1E0BC-30D1-8A3B-12DB-E37678C84E84}"/>
+                <a16:creationId xmlns:a16="http://schemas.microsoft.com/office/drawing/2014/main" id="{66F1E0BC-30D1-8A3B-12DB-E37678C84E84}"/>
               </a:ext>
             </a:extLst>
           </p:cNvPr>
@@ -12535,7 +12528,7 @@
           <p:cNvPr id="7" name="TextBox 6">
             <a:extLst>
               <a:ext uri="{FF2B5EF4-FFF2-40B4-BE49-F238E27FC236}">
-                <a16:creationId xmlns:a16="http://schemas.microsoft.com/office/drawing/2014/main" xmlns="" id="{642525CE-D126-8339-23E7-701B62A6C874}"/>
+                <a16:creationId xmlns:a16="http://schemas.microsoft.com/office/drawing/2014/main" id="{642525CE-D126-8339-23E7-701B62A6C874}"/>
               </a:ext>
             </a:extLst>
           </p:cNvPr>
@@ -12791,7 +12784,7 @@
           <p:cNvPr id="9" name="TextBox 8">
             <a:extLst>
               <a:ext uri="{FF2B5EF4-FFF2-40B4-BE49-F238E27FC236}">
-                <a16:creationId xmlns:a16="http://schemas.microsoft.com/office/drawing/2014/main" xmlns="" id="{34AA5A54-F793-425A-9DF5-9B2EE569D858}"/>
+                <a16:creationId xmlns:a16="http://schemas.microsoft.com/office/drawing/2014/main" id="{34AA5A54-F793-425A-9DF5-9B2EE569D858}"/>
               </a:ext>
             </a:extLst>
           </p:cNvPr>
@@ -12828,7 +12821,7 @@
           <p:cNvPr id="16" name="TextBox 15">
             <a:extLst>
               <a:ext uri="{FF2B5EF4-FFF2-40B4-BE49-F238E27FC236}">
-                <a16:creationId xmlns:a16="http://schemas.microsoft.com/office/drawing/2014/main" xmlns="" id="{AFE4A416-1839-B332-CE1D-3363098A3FDA}"/>
+                <a16:creationId xmlns:a16="http://schemas.microsoft.com/office/drawing/2014/main" id="{AFE4A416-1839-B332-CE1D-3363098A3FDA}"/>
               </a:ext>
             </a:extLst>
           </p:cNvPr>
@@ -12865,7 +12858,7 @@
           <p:cNvPr id="17" name="TextBox 16">
             <a:extLst>
               <a:ext uri="{FF2B5EF4-FFF2-40B4-BE49-F238E27FC236}">
-                <a16:creationId xmlns:a16="http://schemas.microsoft.com/office/drawing/2014/main" xmlns="" id="{FFB67ABB-B1F1-7AE5-C068-761EE34AB028}"/>
+                <a16:creationId xmlns:a16="http://schemas.microsoft.com/office/drawing/2014/main" id="{FFB67ABB-B1F1-7AE5-C068-761EE34AB028}"/>
               </a:ext>
             </a:extLst>
           </p:cNvPr>
@@ -13656,7 +13649,7 @@
           <p:cNvPr id="3" name="Picture 2">
             <a:extLst>
               <a:ext uri="{FF2B5EF4-FFF2-40B4-BE49-F238E27FC236}">
-                <a16:creationId xmlns:a16="http://schemas.microsoft.com/office/drawing/2014/main" xmlns="" id="{E522FD0D-30F2-7D18-7397-2C1C5ADE8910}"/>
+                <a16:creationId xmlns:a16="http://schemas.microsoft.com/office/drawing/2014/main" id="{E522FD0D-30F2-7D18-7397-2C1C5ADE8910}"/>
               </a:ext>
             </a:extLst>
           </p:cNvPr>
@@ -13685,7 +13678,7 @@
           <p:cNvPr id="2" name="Title 1">
             <a:extLst>
               <a:ext uri="{FF2B5EF4-FFF2-40B4-BE49-F238E27FC236}">
-                <a16:creationId xmlns:a16="http://schemas.microsoft.com/office/drawing/2014/main" xmlns="" id="{146167F6-9995-EEF4-62E1-79C351B607B7}"/>
+                <a16:creationId xmlns:a16="http://schemas.microsoft.com/office/drawing/2014/main" id="{146167F6-9995-EEF4-62E1-79C351B607B7}"/>
               </a:ext>
             </a:extLst>
           </p:cNvPr>
@@ -13720,7 +13713,7 @@
           <p:cNvPr id="4" name="TextBox 3">
             <a:extLst>
               <a:ext uri="{FF2B5EF4-FFF2-40B4-BE49-F238E27FC236}">
-                <a16:creationId xmlns:a16="http://schemas.microsoft.com/office/drawing/2014/main" xmlns="" id="{8F977C7A-DAAA-3E00-9586-FF1E8B0B45D6}"/>
+                <a16:creationId xmlns:a16="http://schemas.microsoft.com/office/drawing/2014/main" id="{8F977C7A-DAAA-3E00-9586-FF1E8B0B45D6}"/>
               </a:ext>
             </a:extLst>
           </p:cNvPr>
@@ -13803,7 +13796,7 @@
           <p:cNvPr id="5" name="Oval 4">
             <a:extLst>
               <a:ext uri="{FF2B5EF4-FFF2-40B4-BE49-F238E27FC236}">
-                <a16:creationId xmlns:a16="http://schemas.microsoft.com/office/drawing/2014/main" xmlns="" id="{BF9F796F-C414-9E86-3526-7FA816351051}"/>
+                <a16:creationId xmlns:a16="http://schemas.microsoft.com/office/drawing/2014/main" id="{BF9F796F-C414-9E86-3526-7FA816351051}"/>
               </a:ext>
             </a:extLst>
           </p:cNvPr>
@@ -13853,7 +13846,7 @@
               <p:cNvPr id="11" name="TextBox 10">
                 <a:extLst>
                   <a:ext uri="{FF2B5EF4-FFF2-40B4-BE49-F238E27FC236}">
-                    <a16:creationId xmlns:a16="http://schemas.microsoft.com/office/drawing/2014/main" xmlns="" id="{DCDF7691-F68E-E8B2-56F1-7481DB530C4C}"/>
+                    <a16:creationId xmlns:a16="http://schemas.microsoft.com/office/drawing/2014/main" id="{DCDF7691-F68E-E8B2-56F1-7481DB530C4C}"/>
                   </a:ext>
                 </a:extLst>
               </p:cNvPr>
@@ -13999,7 +13992,7 @@
           <p:cNvPr id="6" name="Oval 5">
             <a:extLst>
               <a:ext uri="{FF2B5EF4-FFF2-40B4-BE49-F238E27FC236}">
-                <a16:creationId xmlns:a16="http://schemas.microsoft.com/office/drawing/2014/main" xmlns="" id="{CFE22612-A4A7-9E0A-AD4A-A0CB001A689B}"/>
+                <a16:creationId xmlns:a16="http://schemas.microsoft.com/office/drawing/2014/main" id="{CFE22612-A4A7-9E0A-AD4A-A0CB001A689B}"/>
               </a:ext>
             </a:extLst>
           </p:cNvPr>
@@ -14047,7 +14040,7 @@
           <p:cNvPr id="7" name="Oval 6">
             <a:extLst>
               <a:ext uri="{FF2B5EF4-FFF2-40B4-BE49-F238E27FC236}">
-                <a16:creationId xmlns:a16="http://schemas.microsoft.com/office/drawing/2014/main" xmlns="" id="{2B1B5D13-2686-2250-D867-826561CD00E0}"/>
+                <a16:creationId xmlns:a16="http://schemas.microsoft.com/office/drawing/2014/main" id="{2B1B5D13-2686-2250-D867-826561CD00E0}"/>
               </a:ext>
             </a:extLst>
           </p:cNvPr>
@@ -14270,7 +14263,7 @@
           <p:cNvPr id="2" name="Title 1">
             <a:extLst>
               <a:ext uri="{FF2B5EF4-FFF2-40B4-BE49-F238E27FC236}">
-                <a16:creationId xmlns:a16="http://schemas.microsoft.com/office/drawing/2014/main" xmlns="" id="{146167F6-9995-EEF4-62E1-79C351B607B7}"/>
+                <a16:creationId xmlns:a16="http://schemas.microsoft.com/office/drawing/2014/main" id="{146167F6-9995-EEF4-62E1-79C351B607B7}"/>
               </a:ext>
             </a:extLst>
           </p:cNvPr>
@@ -14311,7 +14304,7 @@
               <p:cNvPr id="5" name="TextBox 4">
                 <a:extLst>
                   <a:ext uri="{FF2B5EF4-FFF2-40B4-BE49-F238E27FC236}">
-                    <a16:creationId xmlns:a16="http://schemas.microsoft.com/office/drawing/2014/main" xmlns="" id="{C502C96F-709F-65CE-1F1B-07E252C00B42}"/>
+                    <a16:creationId xmlns:a16="http://schemas.microsoft.com/office/drawing/2014/main" id="{C502C96F-709F-65CE-1F1B-07E252C00B42}"/>
                   </a:ext>
                 </a:extLst>
               </p:cNvPr>
@@ -14442,7 +14435,7 @@
           <p:cNvPr id="6" name="TextBox 5">
             <a:extLst>
               <a:ext uri="{FF2B5EF4-FFF2-40B4-BE49-F238E27FC236}">
-                <a16:creationId xmlns:a16="http://schemas.microsoft.com/office/drawing/2014/main" xmlns="" id="{66F1E0BC-30D1-8A3B-12DB-E37678C84E84}"/>
+                <a16:creationId xmlns:a16="http://schemas.microsoft.com/office/drawing/2014/main" id="{66F1E0BC-30D1-8A3B-12DB-E37678C84E84}"/>
               </a:ext>
             </a:extLst>
           </p:cNvPr>
@@ -14556,7 +14549,7 @@
               <p:cNvPr id="4" name="TextBox 3">
                 <a:extLst>
                   <a:ext uri="{FF2B5EF4-FFF2-40B4-BE49-F238E27FC236}">
-                    <a16:creationId xmlns:a16="http://schemas.microsoft.com/office/drawing/2014/main" xmlns="" id="{12FBA841-94EF-280B-C0FD-1FFFFC825C30}"/>
+                    <a16:creationId xmlns:a16="http://schemas.microsoft.com/office/drawing/2014/main" id="{12FBA841-94EF-280B-C0FD-1FFFFC825C30}"/>
                   </a:ext>
                 </a:extLst>
               </p:cNvPr>
@@ -14702,7 +14695,7 @@
           <p:cNvPr id="7" name="Picture 6">
             <a:extLst>
               <a:ext uri="{FF2B5EF4-FFF2-40B4-BE49-F238E27FC236}">
-                <a16:creationId xmlns:a16="http://schemas.microsoft.com/office/drawing/2014/main" xmlns="" id="{28249DD3-5C89-88AC-5047-98A89B505C96}"/>
+                <a16:creationId xmlns:a16="http://schemas.microsoft.com/office/drawing/2014/main" id="{28249DD3-5C89-88AC-5047-98A89B505C96}"/>
               </a:ext>
             </a:extLst>
           </p:cNvPr>
@@ -14731,7 +14724,7 @@
           <p:cNvPr id="9" name="TextBox 8">
             <a:extLst>
               <a:ext uri="{FF2B5EF4-FFF2-40B4-BE49-F238E27FC236}">
-                <a16:creationId xmlns:a16="http://schemas.microsoft.com/office/drawing/2014/main" xmlns="" id="{8AD02BE8-0A00-8EC4-4066-10B6A0E41806}"/>
+                <a16:creationId xmlns:a16="http://schemas.microsoft.com/office/drawing/2014/main" id="{8AD02BE8-0A00-8EC4-4066-10B6A0E41806}"/>
               </a:ext>
             </a:extLst>
           </p:cNvPr>
@@ -14790,7 +14783,7 @@
           <p:cNvPr id="11" name="TextBox 10">
             <a:extLst>
               <a:ext uri="{FF2B5EF4-FFF2-40B4-BE49-F238E27FC236}">
-                <a16:creationId xmlns:a16="http://schemas.microsoft.com/office/drawing/2014/main" xmlns="" id="{7813FA2E-81D1-938F-F89A-9D1CC02A14D6}"/>
+                <a16:creationId xmlns:a16="http://schemas.microsoft.com/office/drawing/2014/main" id="{7813FA2E-81D1-938F-F89A-9D1CC02A14D6}"/>
               </a:ext>
             </a:extLst>
           </p:cNvPr>
@@ -14827,7 +14820,7 @@
           <p:cNvPr id="16" name="TextBox 15">
             <a:extLst>
               <a:ext uri="{FF2B5EF4-FFF2-40B4-BE49-F238E27FC236}">
-                <a16:creationId xmlns:a16="http://schemas.microsoft.com/office/drawing/2014/main" xmlns="" id="{82C2BA26-BF0A-7BDC-201A-69C3280CF097}"/>
+                <a16:creationId xmlns:a16="http://schemas.microsoft.com/office/drawing/2014/main" id="{82C2BA26-BF0A-7BDC-201A-69C3280CF097}"/>
               </a:ext>
             </a:extLst>
           </p:cNvPr>
@@ -14864,7 +14857,7 @@
           <p:cNvPr id="17" name="TextBox 16">
             <a:extLst>
               <a:ext uri="{FF2B5EF4-FFF2-40B4-BE49-F238E27FC236}">
-                <a16:creationId xmlns:a16="http://schemas.microsoft.com/office/drawing/2014/main" xmlns="" id="{96E340DB-848F-660C-651E-A6BCFE75E2E8}"/>
+                <a16:creationId xmlns:a16="http://schemas.microsoft.com/office/drawing/2014/main" id="{96E340DB-848F-660C-651E-A6BCFE75E2E8}"/>
               </a:ext>
             </a:extLst>
           </p:cNvPr>
@@ -14901,7 +14894,7 @@
           <p:cNvPr id="18" name="TextBox 17">
             <a:extLst>
               <a:ext uri="{FF2B5EF4-FFF2-40B4-BE49-F238E27FC236}">
-                <a16:creationId xmlns:a16="http://schemas.microsoft.com/office/drawing/2014/main" xmlns="" id="{9092247D-7667-C383-E1F5-5200C05C8EC2}"/>
+                <a16:creationId xmlns:a16="http://schemas.microsoft.com/office/drawing/2014/main" id="{9092247D-7667-C383-E1F5-5200C05C8EC2}"/>
               </a:ext>
             </a:extLst>
           </p:cNvPr>
@@ -15600,7 +15593,7 @@
           <p:cNvPr id="2" name="Title 1">
             <a:extLst>
               <a:ext uri="{FF2B5EF4-FFF2-40B4-BE49-F238E27FC236}">
-                <a16:creationId xmlns:a16="http://schemas.microsoft.com/office/drawing/2014/main" xmlns="" id="{BFD80BED-157A-6DB6-B417-424F75908479}"/>
+                <a16:creationId xmlns:a16="http://schemas.microsoft.com/office/drawing/2014/main" id="{BFD80BED-157A-6DB6-B417-424F75908479}"/>
               </a:ext>
             </a:extLst>
           </p:cNvPr>
@@ -15628,7 +15621,7 @@
           <p:cNvPr id="3" name="Content Placeholder 2">
             <a:extLst>
               <a:ext uri="{FF2B5EF4-FFF2-40B4-BE49-F238E27FC236}">
-                <a16:creationId xmlns:a16="http://schemas.microsoft.com/office/drawing/2014/main" xmlns="" id="{01B84FBD-76D8-4CC2-3BE3-57E38B90308E}"/>
+                <a16:creationId xmlns:a16="http://schemas.microsoft.com/office/drawing/2014/main" id="{01B84FBD-76D8-4CC2-3BE3-57E38B90308E}"/>
               </a:ext>
             </a:extLst>
           </p:cNvPr>
@@ -15748,7 +15741,7 @@
           <p:cNvPr id="4" name="Rectangle 3">
             <a:extLst>
               <a:ext uri="{FF2B5EF4-FFF2-40B4-BE49-F238E27FC236}">
-                <a16:creationId xmlns:a16="http://schemas.microsoft.com/office/drawing/2014/main" xmlns="" id="{973F3899-2996-9F99-17E6-6A49532753FE}"/>
+                <a16:creationId xmlns:a16="http://schemas.microsoft.com/office/drawing/2014/main" id="{973F3899-2996-9F99-17E6-6A49532753FE}"/>
               </a:ext>
             </a:extLst>
           </p:cNvPr>
@@ -15794,7 +15787,7 @@
           <p:cNvPr id="5" name="Rectangle 4">
             <a:extLst>
               <a:ext uri="{FF2B5EF4-FFF2-40B4-BE49-F238E27FC236}">
-                <a16:creationId xmlns:a16="http://schemas.microsoft.com/office/drawing/2014/main" xmlns="" id="{967BA467-1E2B-4FDB-DEA2-8FF57F432F3A}"/>
+                <a16:creationId xmlns:a16="http://schemas.microsoft.com/office/drawing/2014/main" id="{967BA467-1E2B-4FDB-DEA2-8FF57F432F3A}"/>
               </a:ext>
             </a:extLst>
           </p:cNvPr>
@@ -15843,7 +15836,7 @@
           <p:cNvPr id="6" name="Rectangle 5">
             <a:extLst>
               <a:ext uri="{FF2B5EF4-FFF2-40B4-BE49-F238E27FC236}">
-                <a16:creationId xmlns:a16="http://schemas.microsoft.com/office/drawing/2014/main" xmlns="" id="{BF3E5653-34A8-9B60-E8AE-BCC9F14FFD1F}"/>
+                <a16:creationId xmlns:a16="http://schemas.microsoft.com/office/drawing/2014/main" id="{BF3E5653-34A8-9B60-E8AE-BCC9F14FFD1F}"/>
               </a:ext>
             </a:extLst>
           </p:cNvPr>
@@ -15889,7 +15882,7 @@
           <p:cNvPr id="7" name="Rectangle 6">
             <a:extLst>
               <a:ext uri="{FF2B5EF4-FFF2-40B4-BE49-F238E27FC236}">
-                <a16:creationId xmlns:a16="http://schemas.microsoft.com/office/drawing/2014/main" xmlns="" id="{EE9BC958-9FEA-DE74-0E47-47C956D09D99}"/>
+                <a16:creationId xmlns:a16="http://schemas.microsoft.com/office/drawing/2014/main" id="{EE9BC958-9FEA-DE74-0E47-47C956D09D99}"/>
               </a:ext>
             </a:extLst>
           </p:cNvPr>
@@ -15938,7 +15931,7 @@
           <p:cNvPr id="8" name="TextBox 7">
             <a:extLst>
               <a:ext uri="{FF2B5EF4-FFF2-40B4-BE49-F238E27FC236}">
-                <a16:creationId xmlns:a16="http://schemas.microsoft.com/office/drawing/2014/main" xmlns="" id="{EFC5715A-4019-0649-B75E-34C03E7933CF}"/>
+                <a16:creationId xmlns:a16="http://schemas.microsoft.com/office/drawing/2014/main" id="{EFC5715A-4019-0649-B75E-34C03E7933CF}"/>
               </a:ext>
             </a:extLst>
           </p:cNvPr>
@@ -15973,7 +15966,7 @@
           <p:cNvPr id="9" name="TextBox 8">
             <a:extLst>
               <a:ext uri="{FF2B5EF4-FFF2-40B4-BE49-F238E27FC236}">
-                <a16:creationId xmlns:a16="http://schemas.microsoft.com/office/drawing/2014/main" xmlns="" id="{CFA4C925-7D10-3FE5-6DA4-8BBEB0DB6F58}"/>
+                <a16:creationId xmlns:a16="http://schemas.microsoft.com/office/drawing/2014/main" id="{CFA4C925-7D10-3FE5-6DA4-8BBEB0DB6F58}"/>
               </a:ext>
             </a:extLst>
           </p:cNvPr>
@@ -15998,13 +15991,8 @@
           <a:p>
             <a:r>
               <a:rPr lang="en-US" dirty="0"/>
-              <a:t>30% Data </a:t>
-            </a:r>
-            <a:r>
-              <a:rPr lang="en-US" dirty="0" smtClean="0"/>
-              <a:t>Testing</a:t>
-            </a:r>
-            <a:endParaRPr lang="en-US" dirty="0"/>
+              <a:t>30% Data Testing</a:t>
+            </a:r>
           </a:p>
         </p:txBody>
       </p:sp>
@@ -16013,7 +16001,7 @@
           <p:cNvPr id="10" name="TextBox 9">
             <a:extLst>
               <a:ext uri="{FF2B5EF4-FFF2-40B4-BE49-F238E27FC236}">
-                <a16:creationId xmlns:a16="http://schemas.microsoft.com/office/drawing/2014/main" xmlns="" id="{5D6EC846-1871-DFB3-56B0-B5A139EEC75D}"/>
+                <a16:creationId xmlns:a16="http://schemas.microsoft.com/office/drawing/2014/main" id="{5D6EC846-1871-DFB3-56B0-B5A139EEC75D}"/>
               </a:ext>
             </a:extLst>
           </p:cNvPr>
@@ -16048,7 +16036,7 @@
           <p:cNvPr id="11" name="TextBox 10">
             <a:extLst>
               <a:ext uri="{FF2B5EF4-FFF2-40B4-BE49-F238E27FC236}">
-                <a16:creationId xmlns:a16="http://schemas.microsoft.com/office/drawing/2014/main" xmlns="" id="{AACE93BE-A3FF-0659-622D-BEE338C3DEEE}"/>
+                <a16:creationId xmlns:a16="http://schemas.microsoft.com/office/drawing/2014/main" id="{AACE93BE-A3FF-0659-622D-BEE338C3DEEE}"/>
               </a:ext>
             </a:extLst>
           </p:cNvPr>
@@ -16073,13 +16061,8 @@
           <a:p>
             <a:r>
               <a:rPr lang="en-US" dirty="0"/>
-              <a:t>10% </a:t>
-            </a:r>
-            <a:r>
-              <a:rPr lang="en-US" dirty="0" smtClean="0"/>
-              <a:t>Data Testing</a:t>
-            </a:r>
-            <a:endParaRPr lang="en-US" dirty="0"/>
+              <a:t>10% Data Testing</a:t>
+            </a:r>
           </a:p>
         </p:txBody>
       </p:sp>
@@ -17018,7 +17001,7 @@
           <p:cNvPr id="2" name="Title 1">
             <a:extLst>
               <a:ext uri="{FF2B5EF4-FFF2-40B4-BE49-F238E27FC236}">
-                <a16:creationId xmlns:a16="http://schemas.microsoft.com/office/drawing/2014/main" xmlns="" id="{657A2883-7FE5-6464-8CB2-602C005491C3}"/>
+                <a16:creationId xmlns:a16="http://schemas.microsoft.com/office/drawing/2014/main" id="{657A2883-7FE5-6464-8CB2-602C005491C3}"/>
               </a:ext>
             </a:extLst>
           </p:cNvPr>
@@ -17046,7 +17029,7 @@
           <p:cNvPr id="3" name="Content Placeholder 2">
             <a:extLst>
               <a:ext uri="{FF2B5EF4-FFF2-40B4-BE49-F238E27FC236}">
-                <a16:creationId xmlns:a16="http://schemas.microsoft.com/office/drawing/2014/main" xmlns="" id="{2294CF96-3630-1FC3-E039-A9D9A663FAB0}"/>
+                <a16:creationId xmlns:a16="http://schemas.microsoft.com/office/drawing/2014/main" id="{2294CF96-3630-1FC3-E039-A9D9A663FAB0}"/>
               </a:ext>
             </a:extLst>
           </p:cNvPr>
@@ -17110,7 +17093,7 @@
               <p:cNvPr id="4" name="TextBox 3">
                 <a:extLst>
                   <a:ext uri="{FF2B5EF4-FFF2-40B4-BE49-F238E27FC236}">
-                    <a16:creationId xmlns:a16="http://schemas.microsoft.com/office/drawing/2014/main" xmlns="" id="{48D956ED-2EE6-FDA4-0F31-AC7B02CD288F}"/>
+                    <a16:creationId xmlns:a16="http://schemas.microsoft.com/office/drawing/2014/main" id="{48D956ED-2EE6-FDA4-0F31-AC7B02CD288F}"/>
                   </a:ext>
                 </a:extLst>
               </p:cNvPr>
@@ -17299,13 +17282,6 @@
   <p:clrMapOvr>
     <a:masterClrMapping/>
   </p:clrMapOvr>
-  <p:timing>
-    <p:tnLst>
-      <p:par>
-        <p:cTn id="1" dur="indefinite" restart="never" nodeType="tmRoot"/>
-      </p:par>
-    </p:tnLst>
-  </p:timing>
 </p:sld>
 </file>
 
@@ -17331,7 +17307,7 @@
           <p:cNvPr id="2" name="Title 1">
             <a:extLst>
               <a:ext uri="{FF2B5EF4-FFF2-40B4-BE49-F238E27FC236}">
-                <a16:creationId xmlns:a16="http://schemas.microsoft.com/office/drawing/2014/main" xmlns="" id="{DC5328ED-C491-15B0-6033-7273AF9BF114}"/>
+                <a16:creationId xmlns:a16="http://schemas.microsoft.com/office/drawing/2014/main" id="{DC5328ED-C491-15B0-6033-7273AF9BF114}"/>
               </a:ext>
             </a:extLst>
           </p:cNvPr>
@@ -17365,7 +17341,7 @@
           <p:cNvPr id="4" name="Table 3">
             <a:extLst>
               <a:ext uri="{FF2B5EF4-FFF2-40B4-BE49-F238E27FC236}">
-                <a16:creationId xmlns:a16="http://schemas.microsoft.com/office/drawing/2014/main" xmlns="" id="{50599AD9-84B3-2695-6522-65C6822AB169}"/>
+                <a16:creationId xmlns:a16="http://schemas.microsoft.com/office/drawing/2014/main" id="{50599AD9-84B3-2695-6522-65C6822AB169}"/>
               </a:ext>
             </a:extLst>
           </p:cNvPr>
@@ -17394,42 +17370,42 @@
                 <a:gridCol w="974935">
                   <a:extLst>
                     <a:ext uri="{9D8B030D-6E8A-4147-A177-3AD203B41FA5}">
-                      <a16:colId xmlns:a16="http://schemas.microsoft.com/office/drawing/2014/main" xmlns="" val="1836296974"/>
+                      <a16:colId xmlns:a16="http://schemas.microsoft.com/office/drawing/2014/main" val="1836296974"/>
                     </a:ext>
                   </a:extLst>
                 </a:gridCol>
                 <a:gridCol w="891962">
                   <a:extLst>
                     <a:ext uri="{9D8B030D-6E8A-4147-A177-3AD203B41FA5}">
-                      <a16:colId xmlns:a16="http://schemas.microsoft.com/office/drawing/2014/main" xmlns="" val="222599022"/>
+                      <a16:colId xmlns:a16="http://schemas.microsoft.com/office/drawing/2014/main" val="222599022"/>
                     </a:ext>
                   </a:extLst>
                 </a:gridCol>
                 <a:gridCol w="1555748">
                   <a:extLst>
                     <a:ext uri="{9D8B030D-6E8A-4147-A177-3AD203B41FA5}">
-                      <a16:colId xmlns:a16="http://schemas.microsoft.com/office/drawing/2014/main" xmlns="" val="3909763040"/>
+                      <a16:colId xmlns:a16="http://schemas.microsoft.com/office/drawing/2014/main" val="3909763040"/>
                     </a:ext>
                   </a:extLst>
                 </a:gridCol>
                 <a:gridCol w="1286085">
                   <a:extLst>
                     <a:ext uri="{9D8B030D-6E8A-4147-A177-3AD203B41FA5}">
-                      <a16:colId xmlns:a16="http://schemas.microsoft.com/office/drawing/2014/main" xmlns="" val="4207324239"/>
+                      <a16:colId xmlns:a16="http://schemas.microsoft.com/office/drawing/2014/main" val="4207324239"/>
                     </a:ext>
                   </a:extLst>
                 </a:gridCol>
                 <a:gridCol w="871219">
                   <a:extLst>
                     <a:ext uri="{9D8B030D-6E8A-4147-A177-3AD203B41FA5}">
-                      <a16:colId xmlns:a16="http://schemas.microsoft.com/office/drawing/2014/main" xmlns="" val="3691857670"/>
+                      <a16:colId xmlns:a16="http://schemas.microsoft.com/office/drawing/2014/main" val="3691857670"/>
                     </a:ext>
                   </a:extLst>
                 </a:gridCol>
                 <a:gridCol w="1244598">
                   <a:extLst>
                     <a:ext uri="{9D8B030D-6E8A-4147-A177-3AD203B41FA5}">
-                      <a16:colId xmlns:a16="http://schemas.microsoft.com/office/drawing/2014/main" xmlns="" val="2952195426"/>
+                      <a16:colId xmlns:a16="http://schemas.microsoft.com/office/drawing/2014/main" val="2952195426"/>
                     </a:ext>
                   </a:extLst>
                 </a:gridCol>
@@ -17575,7 +17551,7 @@
                 </a:tc>
                 <a:extLst>
                   <a:ext uri="{0D108BD9-81ED-4DB2-BD59-A6C34878D82A}">
-                    <a16:rowId xmlns:a16="http://schemas.microsoft.com/office/drawing/2014/main" xmlns="" val="3385873372"/>
+                    <a16:rowId xmlns:a16="http://schemas.microsoft.com/office/drawing/2014/main" val="3385873372"/>
                   </a:ext>
                 </a:extLst>
               </a:tr>
@@ -17747,7 +17723,7 @@
                 </a:tc>
                 <a:extLst>
                   <a:ext uri="{0D108BD9-81ED-4DB2-BD59-A6C34878D82A}">
-                    <a16:rowId xmlns:a16="http://schemas.microsoft.com/office/drawing/2014/main" xmlns="" val="40198242"/>
+                    <a16:rowId xmlns:a16="http://schemas.microsoft.com/office/drawing/2014/main" val="40198242"/>
                   </a:ext>
                 </a:extLst>
               </a:tr>
@@ -17892,7 +17868,7 @@
                 </a:tc>
                 <a:extLst>
                   <a:ext uri="{0D108BD9-81ED-4DB2-BD59-A6C34878D82A}">
-                    <a16:rowId xmlns:a16="http://schemas.microsoft.com/office/drawing/2014/main" xmlns="" val="2202812356"/>
+                    <a16:rowId xmlns:a16="http://schemas.microsoft.com/office/drawing/2014/main" val="2202812356"/>
                   </a:ext>
                 </a:extLst>
               </a:tr>
@@ -18037,7 +18013,7 @@
                 </a:tc>
                 <a:extLst>
                   <a:ext uri="{0D108BD9-81ED-4DB2-BD59-A6C34878D82A}">
-                    <a16:rowId xmlns:a16="http://schemas.microsoft.com/office/drawing/2014/main" xmlns="" val="1980521857"/>
+                    <a16:rowId xmlns:a16="http://schemas.microsoft.com/office/drawing/2014/main" val="1980521857"/>
                   </a:ext>
                 </a:extLst>
               </a:tr>
@@ -18182,7 +18158,7 @@
                 </a:tc>
                 <a:extLst>
                   <a:ext uri="{0D108BD9-81ED-4DB2-BD59-A6C34878D82A}">
-                    <a16:rowId xmlns:a16="http://schemas.microsoft.com/office/drawing/2014/main" xmlns="" val="99188677"/>
+                    <a16:rowId xmlns:a16="http://schemas.microsoft.com/office/drawing/2014/main" val="99188677"/>
                   </a:ext>
                 </a:extLst>
               </a:tr>
@@ -18345,7 +18321,7 @@
                 </a:tc>
                 <a:extLst>
                   <a:ext uri="{0D108BD9-81ED-4DB2-BD59-A6C34878D82A}">
-                    <a16:rowId xmlns:a16="http://schemas.microsoft.com/office/drawing/2014/main" xmlns="" val="2083451933"/>
+                    <a16:rowId xmlns:a16="http://schemas.microsoft.com/office/drawing/2014/main" val="2083451933"/>
                   </a:ext>
                 </a:extLst>
               </a:tr>
@@ -18496,7 +18472,7 @@
                 </a:tc>
                 <a:extLst>
                   <a:ext uri="{0D108BD9-81ED-4DB2-BD59-A6C34878D82A}">
-                    <a16:rowId xmlns:a16="http://schemas.microsoft.com/office/drawing/2014/main" xmlns="" val="3586370329"/>
+                    <a16:rowId xmlns:a16="http://schemas.microsoft.com/office/drawing/2014/main" val="3586370329"/>
                   </a:ext>
                 </a:extLst>
               </a:tr>
@@ -18641,7 +18617,7 @@
                 </a:tc>
                 <a:extLst>
                   <a:ext uri="{0D108BD9-81ED-4DB2-BD59-A6C34878D82A}">
-                    <a16:rowId xmlns:a16="http://schemas.microsoft.com/office/drawing/2014/main" xmlns="" val="995919729"/>
+                    <a16:rowId xmlns:a16="http://schemas.microsoft.com/office/drawing/2014/main" val="995919729"/>
                   </a:ext>
                 </a:extLst>
               </a:tr>
@@ -18786,7 +18762,7 @@
                 </a:tc>
                 <a:extLst>
                   <a:ext uri="{0D108BD9-81ED-4DB2-BD59-A6C34878D82A}">
-                    <a16:rowId xmlns:a16="http://schemas.microsoft.com/office/drawing/2014/main" xmlns="" val="3559813735"/>
+                    <a16:rowId xmlns:a16="http://schemas.microsoft.com/office/drawing/2014/main" val="3559813735"/>
                   </a:ext>
                 </a:extLst>
               </a:tr>
@@ -18937,7 +18913,7 @@
                 </a:tc>
                 <a:extLst>
                   <a:ext uri="{0D108BD9-81ED-4DB2-BD59-A6C34878D82A}">
-                    <a16:rowId xmlns:a16="http://schemas.microsoft.com/office/drawing/2014/main" xmlns="" val="4098641826"/>
+                    <a16:rowId xmlns:a16="http://schemas.microsoft.com/office/drawing/2014/main" val="4098641826"/>
                   </a:ext>
                 </a:extLst>
               </a:tr>
@@ -19088,7 +19064,7 @@
                 </a:tc>
                 <a:extLst>
                   <a:ext uri="{0D108BD9-81ED-4DB2-BD59-A6C34878D82A}">
-                    <a16:rowId xmlns:a16="http://schemas.microsoft.com/office/drawing/2014/main" xmlns="" val="2781078719"/>
+                    <a16:rowId xmlns:a16="http://schemas.microsoft.com/office/drawing/2014/main" val="2781078719"/>
                   </a:ext>
                 </a:extLst>
               </a:tr>
@@ -19260,7 +19236,7 @@
                 </a:tc>
                 <a:extLst>
                   <a:ext uri="{0D108BD9-81ED-4DB2-BD59-A6C34878D82A}">
-                    <a16:rowId xmlns:a16="http://schemas.microsoft.com/office/drawing/2014/main" xmlns="" val="1029584763"/>
+                    <a16:rowId xmlns:a16="http://schemas.microsoft.com/office/drawing/2014/main" val="1029584763"/>
                   </a:ext>
                 </a:extLst>
               </a:tr>
@@ -19411,7 +19387,7 @@
                 </a:tc>
                 <a:extLst>
                   <a:ext uri="{0D108BD9-81ED-4DB2-BD59-A6C34878D82A}">
-                    <a16:rowId xmlns:a16="http://schemas.microsoft.com/office/drawing/2014/main" xmlns="" val="2319603347"/>
+                    <a16:rowId xmlns:a16="http://schemas.microsoft.com/office/drawing/2014/main" val="2319603347"/>
                   </a:ext>
                 </a:extLst>
               </a:tr>
@@ -19562,7 +19538,7 @@
                 </a:tc>
                 <a:extLst>
                   <a:ext uri="{0D108BD9-81ED-4DB2-BD59-A6C34878D82A}">
-                    <a16:rowId xmlns:a16="http://schemas.microsoft.com/office/drawing/2014/main" xmlns="" val="644923150"/>
+                    <a16:rowId xmlns:a16="http://schemas.microsoft.com/office/drawing/2014/main" val="644923150"/>
                   </a:ext>
                 </a:extLst>
               </a:tr>
@@ -19707,7 +19683,7 @@
                 </a:tc>
                 <a:extLst>
                   <a:ext uri="{0D108BD9-81ED-4DB2-BD59-A6C34878D82A}">
-                    <a16:rowId xmlns:a16="http://schemas.microsoft.com/office/drawing/2014/main" xmlns="" val="753156445"/>
+                    <a16:rowId xmlns:a16="http://schemas.microsoft.com/office/drawing/2014/main" val="753156445"/>
                   </a:ext>
                 </a:extLst>
               </a:tr>
@@ -19852,7 +19828,7 @@
                 </a:tc>
                 <a:extLst>
                   <a:ext uri="{0D108BD9-81ED-4DB2-BD59-A6C34878D82A}">
-                    <a16:rowId xmlns:a16="http://schemas.microsoft.com/office/drawing/2014/main" xmlns="" val="2414445359"/>
+                    <a16:rowId xmlns:a16="http://schemas.microsoft.com/office/drawing/2014/main" val="2414445359"/>
                   </a:ext>
                 </a:extLst>
               </a:tr>
@@ -19865,7 +19841,7 @@
           <p:cNvPr id="5" name="TextBox 4">
             <a:extLst>
               <a:ext uri="{FF2B5EF4-FFF2-40B4-BE49-F238E27FC236}">
-                <a16:creationId xmlns:a16="http://schemas.microsoft.com/office/drawing/2014/main" xmlns="" id="{2E33874A-7879-5F1E-FB28-1588CB63F042}"/>
+                <a16:creationId xmlns:a16="http://schemas.microsoft.com/office/drawing/2014/main" id="{2E33874A-7879-5F1E-FB28-1588CB63F042}"/>
               </a:ext>
             </a:extLst>
           </p:cNvPr>
@@ -19893,63 +19869,59 @@
               <a:buChar char="•"/>
             </a:pPr>
             <a:r>
-              <a:rPr lang="en-US" dirty="0" err="1" smtClean="0"/>
+              <a:rPr lang="en-US" dirty="0" err="1"/>
               <a:t>Dengan</a:t>
             </a:r>
             <a:r>
-              <a:rPr lang="en-US" dirty="0" smtClean="0"/>
+              <a:rPr lang="en-US" dirty="0"/>
+              <a:t> NB, </a:t>
+            </a:r>
+            <a:r>
+              <a:rPr lang="en-US" dirty="0" err="1"/>
+              <a:t>Pembagian</a:t>
+            </a:r>
+            <a:r>
+              <a:rPr lang="en-US" dirty="0"/>
               <a:t> </a:t>
             </a:r>
             <a:r>
-              <a:rPr lang="en-US" dirty="0" smtClean="0"/>
-              <a:t>NB, </a:t>
-            </a:r>
-            <a:r>
-              <a:rPr lang="en-US" dirty="0" err="1" smtClean="0"/>
-              <a:t>Pembagian</a:t>
-            </a:r>
-            <a:r>
-              <a:rPr lang="en-US" dirty="0" smtClean="0"/>
+              <a:rPr lang="en-US" dirty="0" err="1"/>
+              <a:t>datanya</a:t>
+            </a:r>
+            <a:r>
+              <a:rPr lang="en-US" dirty="0"/>
+              <a:t> 3 data testing, 12 data </a:t>
+            </a:r>
+            <a:r>
+              <a:rPr lang="en-US" dirty="0" err="1"/>
+              <a:t>trining</a:t>
+            </a:r>
+            <a:r>
+              <a:rPr lang="en-US" dirty="0"/>
+              <a:t>, </a:t>
+            </a:r>
+            <a:r>
+              <a:rPr lang="en-US" dirty="0" err="1"/>
+              <a:t>Hitung</a:t>
+            </a:r>
+            <a:r>
+              <a:rPr lang="en-US" dirty="0"/>
               <a:t> </a:t>
             </a:r>
             <a:r>
-              <a:rPr lang="en-US" dirty="0" err="1" smtClean="0"/>
-              <a:t>datanya</a:t>
-            </a:r>
-            <a:r>
-              <a:rPr lang="en-US" dirty="0" smtClean="0"/>
-              <a:t> 3 data testing, 12 data </a:t>
-            </a:r>
-            <a:r>
-              <a:rPr lang="en-US" dirty="0" err="1" smtClean="0"/>
-              <a:t>trining</a:t>
-            </a:r>
-            <a:r>
-              <a:rPr lang="en-US" dirty="0" smtClean="0"/>
-              <a:t>, </a:t>
-            </a:r>
-            <a:r>
-              <a:rPr lang="en-US" dirty="0" err="1" smtClean="0"/>
-              <a:t>Hitung</a:t>
-            </a:r>
-            <a:r>
-              <a:rPr lang="en-US" dirty="0" smtClean="0"/>
+              <a:rPr lang="en-US" dirty="0" err="1"/>
+              <a:t>tingkat</a:t>
+            </a:r>
+            <a:r>
+              <a:rPr lang="en-US" dirty="0"/>
               <a:t> </a:t>
             </a:r>
             <a:r>
-              <a:rPr lang="en-US" dirty="0" err="1" smtClean="0"/>
-              <a:t>tingkat</a:t>
-            </a:r>
-            <a:r>
-              <a:rPr lang="en-US" dirty="0" smtClean="0"/>
-              <a:t> </a:t>
-            </a:r>
-            <a:r>
-              <a:rPr lang="en-US" dirty="0" err="1" smtClean="0"/>
+              <a:rPr lang="en-US" dirty="0" err="1"/>
               <a:t>nilai</a:t>
             </a:r>
             <a:r>
-              <a:rPr lang="en-US" dirty="0" smtClean="0"/>
+              <a:rPr lang="en-US" dirty="0"/>
               <a:t>:</a:t>
             </a:r>
           </a:p>
@@ -19959,12 +19931,8 @@
               <a:buChar char="•"/>
             </a:pPr>
             <a:r>
-              <a:rPr lang="en-US" dirty="0" smtClean="0"/>
-              <a:t>1</a:t>
-            </a:r>
-            <a:r>
               <a:rPr lang="en-US" dirty="0"/>
-              <a:t>. </a:t>
+              <a:t>1. </a:t>
             </a:r>
             <a:r>
               <a:rPr lang="en-US" dirty="0" err="1"/>
@@ -19994,11 +19962,7 @@
             </a:pPr>
             <a:r>
               <a:rPr lang="en-US" dirty="0"/>
-              <a:t>3. </a:t>
-            </a:r>
-            <a:r>
-              <a:rPr lang="en-US" dirty="0" smtClean="0"/>
-              <a:t>Recall</a:t>
+              <a:t>3. Recall</a:t>
             </a:r>
           </a:p>
         </p:txBody>
@@ -20167,7 +20131,7 @@
           <p:cNvPr id="2" name="Table 1">
             <a:extLst>
               <a:ext uri="{FF2B5EF4-FFF2-40B4-BE49-F238E27FC236}">
-                <a16:creationId xmlns:a16="http://schemas.microsoft.com/office/drawing/2014/main" xmlns="" id="{50599AD9-84B3-2695-6522-65C6822AB169}"/>
+                <a16:creationId xmlns:a16="http://schemas.microsoft.com/office/drawing/2014/main" id="{50599AD9-84B3-2695-6522-65C6822AB169}"/>
               </a:ext>
             </a:extLst>
           </p:cNvPr>
@@ -20196,42 +20160,42 @@
                 <a:gridCol w="974935">
                   <a:extLst>
                     <a:ext uri="{9D8B030D-6E8A-4147-A177-3AD203B41FA5}">
-                      <a16:colId xmlns:a16="http://schemas.microsoft.com/office/drawing/2014/main" xmlns="" val="1836296974"/>
+                      <a16:colId xmlns:a16="http://schemas.microsoft.com/office/drawing/2014/main" val="1836296974"/>
                     </a:ext>
                   </a:extLst>
                 </a:gridCol>
                 <a:gridCol w="891962">
                   <a:extLst>
                     <a:ext uri="{9D8B030D-6E8A-4147-A177-3AD203B41FA5}">
-                      <a16:colId xmlns:a16="http://schemas.microsoft.com/office/drawing/2014/main" xmlns="" val="222599022"/>
+                      <a16:colId xmlns:a16="http://schemas.microsoft.com/office/drawing/2014/main" val="222599022"/>
                     </a:ext>
                   </a:extLst>
                 </a:gridCol>
                 <a:gridCol w="1555748">
                   <a:extLst>
                     <a:ext uri="{9D8B030D-6E8A-4147-A177-3AD203B41FA5}">
-                      <a16:colId xmlns:a16="http://schemas.microsoft.com/office/drawing/2014/main" xmlns="" val="3909763040"/>
+                      <a16:colId xmlns:a16="http://schemas.microsoft.com/office/drawing/2014/main" val="3909763040"/>
                     </a:ext>
                   </a:extLst>
                 </a:gridCol>
                 <a:gridCol w="1286085">
                   <a:extLst>
                     <a:ext uri="{9D8B030D-6E8A-4147-A177-3AD203B41FA5}">
-                      <a16:colId xmlns:a16="http://schemas.microsoft.com/office/drawing/2014/main" xmlns="" val="4207324239"/>
+                      <a16:colId xmlns:a16="http://schemas.microsoft.com/office/drawing/2014/main" val="4207324239"/>
                     </a:ext>
                   </a:extLst>
                 </a:gridCol>
                 <a:gridCol w="871219">
                   <a:extLst>
                     <a:ext uri="{9D8B030D-6E8A-4147-A177-3AD203B41FA5}">
-                      <a16:colId xmlns:a16="http://schemas.microsoft.com/office/drawing/2014/main" xmlns="" val="3691857670"/>
+                      <a16:colId xmlns:a16="http://schemas.microsoft.com/office/drawing/2014/main" val="3691857670"/>
                     </a:ext>
                   </a:extLst>
                 </a:gridCol>
                 <a:gridCol w="1244598">
                   <a:extLst>
                     <a:ext uri="{9D8B030D-6E8A-4147-A177-3AD203B41FA5}">
-                      <a16:colId xmlns:a16="http://schemas.microsoft.com/office/drawing/2014/main" xmlns="" val="2952195426"/>
+                      <a16:colId xmlns:a16="http://schemas.microsoft.com/office/drawing/2014/main" val="2952195426"/>
                     </a:ext>
                   </a:extLst>
                 </a:gridCol>
@@ -20377,7 +20341,7 @@
                 </a:tc>
                 <a:extLst>
                   <a:ext uri="{0D108BD9-81ED-4DB2-BD59-A6C34878D82A}">
-                    <a16:rowId xmlns:a16="http://schemas.microsoft.com/office/drawing/2014/main" xmlns="" val="3385873372"/>
+                    <a16:rowId xmlns:a16="http://schemas.microsoft.com/office/drawing/2014/main" val="3385873372"/>
                   </a:ext>
                 </a:extLst>
               </a:tr>
@@ -20528,7 +20492,7 @@
                     <a:p>
                       <a:pPr algn="l" fontAlgn="b"/>
                       <a:r>
-                        <a:rPr lang="en-US" sz="1600" u="none" strike="noStrike" dirty="0" smtClean="0">
+                        <a:rPr lang="en-US" sz="1600" u="none" strike="noStrike" dirty="0">
                           <a:solidFill>
                             <a:srgbClr val="FF0000"/>
                           </a:solidFill>
@@ -20549,7 +20513,7 @@
                 </a:tc>
                 <a:extLst>
                   <a:ext uri="{0D108BD9-81ED-4DB2-BD59-A6C34878D82A}">
-                    <a16:rowId xmlns:a16="http://schemas.microsoft.com/office/drawing/2014/main" xmlns="" val="40198242"/>
+                    <a16:rowId xmlns:a16="http://schemas.microsoft.com/office/drawing/2014/main" val="40198242"/>
                   </a:ext>
                 </a:extLst>
               </a:tr>
@@ -20691,7 +20655,7 @@
                     <a:p>
                       <a:pPr algn="l" fontAlgn="b"/>
                       <a:r>
-                        <a:rPr lang="en-US" sz="1600" b="0" i="0" u="none" strike="noStrike" dirty="0" smtClean="0">
+                        <a:rPr lang="en-US" sz="1600" b="0" i="0" u="none" strike="noStrike" dirty="0">
                           <a:solidFill>
                             <a:srgbClr val="FF0000"/>
                           </a:solidFill>
@@ -20713,7 +20677,7 @@
                 </a:tc>
                 <a:extLst>
                   <a:ext uri="{0D108BD9-81ED-4DB2-BD59-A6C34878D82A}">
-                    <a16:rowId xmlns:a16="http://schemas.microsoft.com/office/drawing/2014/main" xmlns="" val="2083451933"/>
+                    <a16:rowId xmlns:a16="http://schemas.microsoft.com/office/drawing/2014/main" val="2083451933"/>
                   </a:ext>
                 </a:extLst>
               </a:tr>
@@ -20864,7 +20828,7 @@
                     <a:p>
                       <a:pPr algn="l" fontAlgn="b"/>
                       <a:r>
-                        <a:rPr lang="en-US" sz="1600" u="none" strike="noStrike" dirty="0" smtClean="0">
+                        <a:rPr lang="en-US" sz="1600" u="none" strike="noStrike" dirty="0">
                           <a:solidFill>
                             <a:srgbClr val="FF0000"/>
                           </a:solidFill>
@@ -20885,7 +20849,7 @@
                 </a:tc>
                 <a:extLst>
                   <a:ext uri="{0D108BD9-81ED-4DB2-BD59-A6C34878D82A}">
-                    <a16:rowId xmlns:a16="http://schemas.microsoft.com/office/drawing/2014/main" xmlns="" val="1029584763"/>
+                    <a16:rowId xmlns:a16="http://schemas.microsoft.com/office/drawing/2014/main" val="1029584763"/>
                   </a:ext>
                 </a:extLst>
               </a:tr>
@@ -20898,7 +20862,7 @@
           <p:cNvPr id="3" name="Table 2">
             <a:extLst>
               <a:ext uri="{FF2B5EF4-FFF2-40B4-BE49-F238E27FC236}">
-                <a16:creationId xmlns:a16="http://schemas.microsoft.com/office/drawing/2014/main" xmlns="" id="{50599AD9-84B3-2695-6522-65C6822AB169}"/>
+                <a16:creationId xmlns:a16="http://schemas.microsoft.com/office/drawing/2014/main" id="{50599AD9-84B3-2695-6522-65C6822AB169}"/>
               </a:ext>
             </a:extLst>
           </p:cNvPr>
@@ -20927,42 +20891,42 @@
                 <a:gridCol w="974935">
                   <a:extLst>
                     <a:ext uri="{9D8B030D-6E8A-4147-A177-3AD203B41FA5}">
-                      <a16:colId xmlns:a16="http://schemas.microsoft.com/office/drawing/2014/main" xmlns="" val="1836296974"/>
+                      <a16:colId xmlns:a16="http://schemas.microsoft.com/office/drawing/2014/main" val="1836296974"/>
                     </a:ext>
                   </a:extLst>
                 </a:gridCol>
                 <a:gridCol w="891962">
                   <a:extLst>
                     <a:ext uri="{9D8B030D-6E8A-4147-A177-3AD203B41FA5}">
-                      <a16:colId xmlns:a16="http://schemas.microsoft.com/office/drawing/2014/main" xmlns="" val="222599022"/>
+                      <a16:colId xmlns:a16="http://schemas.microsoft.com/office/drawing/2014/main" val="222599022"/>
                     </a:ext>
                   </a:extLst>
                 </a:gridCol>
                 <a:gridCol w="1555748">
                   <a:extLst>
                     <a:ext uri="{9D8B030D-6E8A-4147-A177-3AD203B41FA5}">
-                      <a16:colId xmlns:a16="http://schemas.microsoft.com/office/drawing/2014/main" xmlns="" val="3909763040"/>
+                      <a16:colId xmlns:a16="http://schemas.microsoft.com/office/drawing/2014/main" val="3909763040"/>
                     </a:ext>
                   </a:extLst>
                 </a:gridCol>
                 <a:gridCol w="1286085">
                   <a:extLst>
                     <a:ext uri="{9D8B030D-6E8A-4147-A177-3AD203B41FA5}">
-                      <a16:colId xmlns:a16="http://schemas.microsoft.com/office/drawing/2014/main" xmlns="" val="4207324239"/>
+                      <a16:colId xmlns:a16="http://schemas.microsoft.com/office/drawing/2014/main" val="4207324239"/>
                     </a:ext>
                   </a:extLst>
                 </a:gridCol>
                 <a:gridCol w="871219">
                   <a:extLst>
                     <a:ext uri="{9D8B030D-6E8A-4147-A177-3AD203B41FA5}">
-                      <a16:colId xmlns:a16="http://schemas.microsoft.com/office/drawing/2014/main" xmlns="" val="3691857670"/>
+                      <a16:colId xmlns:a16="http://schemas.microsoft.com/office/drawing/2014/main" val="3691857670"/>
                     </a:ext>
                   </a:extLst>
                 </a:gridCol>
                 <a:gridCol w="1244598">
                   <a:extLst>
                     <a:ext uri="{9D8B030D-6E8A-4147-A177-3AD203B41FA5}">
-                      <a16:colId xmlns:a16="http://schemas.microsoft.com/office/drawing/2014/main" xmlns="" val="2952195426"/>
+                      <a16:colId xmlns:a16="http://schemas.microsoft.com/office/drawing/2014/main" val="2952195426"/>
                     </a:ext>
                   </a:extLst>
                 </a:gridCol>
@@ -21108,7 +21072,7 @@
                 </a:tc>
                 <a:extLst>
                   <a:ext uri="{0D108BD9-81ED-4DB2-BD59-A6C34878D82A}">
-                    <a16:rowId xmlns:a16="http://schemas.microsoft.com/office/drawing/2014/main" xmlns="" val="3385873372"/>
+                    <a16:rowId xmlns:a16="http://schemas.microsoft.com/office/drawing/2014/main" val="3385873372"/>
                   </a:ext>
                 </a:extLst>
               </a:tr>
@@ -21253,7 +21217,7 @@
                 </a:tc>
                 <a:extLst>
                   <a:ext uri="{0D108BD9-81ED-4DB2-BD59-A6C34878D82A}">
-                    <a16:rowId xmlns:a16="http://schemas.microsoft.com/office/drawing/2014/main" xmlns="" val="2202812356"/>
+                    <a16:rowId xmlns:a16="http://schemas.microsoft.com/office/drawing/2014/main" val="2202812356"/>
                   </a:ext>
                 </a:extLst>
               </a:tr>
@@ -21398,7 +21362,7 @@
                 </a:tc>
                 <a:extLst>
                   <a:ext uri="{0D108BD9-81ED-4DB2-BD59-A6C34878D82A}">
-                    <a16:rowId xmlns:a16="http://schemas.microsoft.com/office/drawing/2014/main" xmlns="" val="1980521857"/>
+                    <a16:rowId xmlns:a16="http://schemas.microsoft.com/office/drawing/2014/main" val="1980521857"/>
                   </a:ext>
                 </a:extLst>
               </a:tr>
@@ -21543,7 +21507,7 @@
                 </a:tc>
                 <a:extLst>
                   <a:ext uri="{0D108BD9-81ED-4DB2-BD59-A6C34878D82A}">
-                    <a16:rowId xmlns:a16="http://schemas.microsoft.com/office/drawing/2014/main" xmlns="" val="99188677"/>
+                    <a16:rowId xmlns:a16="http://schemas.microsoft.com/office/drawing/2014/main" val="99188677"/>
                   </a:ext>
                 </a:extLst>
               </a:tr>
@@ -21694,7 +21658,7 @@
                 </a:tc>
                 <a:extLst>
                   <a:ext uri="{0D108BD9-81ED-4DB2-BD59-A6C34878D82A}">
-                    <a16:rowId xmlns:a16="http://schemas.microsoft.com/office/drawing/2014/main" xmlns="" val="3586370329"/>
+                    <a16:rowId xmlns:a16="http://schemas.microsoft.com/office/drawing/2014/main" val="3586370329"/>
                   </a:ext>
                 </a:extLst>
               </a:tr>
@@ -21839,7 +21803,7 @@
                 </a:tc>
                 <a:extLst>
                   <a:ext uri="{0D108BD9-81ED-4DB2-BD59-A6C34878D82A}">
-                    <a16:rowId xmlns:a16="http://schemas.microsoft.com/office/drawing/2014/main" xmlns="" val="995919729"/>
+                    <a16:rowId xmlns:a16="http://schemas.microsoft.com/office/drawing/2014/main" val="995919729"/>
                   </a:ext>
                 </a:extLst>
               </a:tr>
@@ -21984,7 +21948,7 @@
                 </a:tc>
                 <a:extLst>
                   <a:ext uri="{0D108BD9-81ED-4DB2-BD59-A6C34878D82A}">
-                    <a16:rowId xmlns:a16="http://schemas.microsoft.com/office/drawing/2014/main" xmlns="" val="3559813735"/>
+                    <a16:rowId xmlns:a16="http://schemas.microsoft.com/office/drawing/2014/main" val="3559813735"/>
                   </a:ext>
                 </a:extLst>
               </a:tr>
@@ -22135,7 +22099,7 @@
                 </a:tc>
                 <a:extLst>
                   <a:ext uri="{0D108BD9-81ED-4DB2-BD59-A6C34878D82A}">
-                    <a16:rowId xmlns:a16="http://schemas.microsoft.com/office/drawing/2014/main" xmlns="" val="4098641826"/>
+                    <a16:rowId xmlns:a16="http://schemas.microsoft.com/office/drawing/2014/main" val="4098641826"/>
                   </a:ext>
                 </a:extLst>
               </a:tr>
@@ -22286,7 +22250,7 @@
                 </a:tc>
                 <a:extLst>
                   <a:ext uri="{0D108BD9-81ED-4DB2-BD59-A6C34878D82A}">
-                    <a16:rowId xmlns:a16="http://schemas.microsoft.com/office/drawing/2014/main" xmlns="" val="2781078719"/>
+                    <a16:rowId xmlns:a16="http://schemas.microsoft.com/office/drawing/2014/main" val="2781078719"/>
                   </a:ext>
                 </a:extLst>
               </a:tr>
@@ -22437,7 +22401,7 @@
                 </a:tc>
                 <a:extLst>
                   <a:ext uri="{0D108BD9-81ED-4DB2-BD59-A6C34878D82A}">
-                    <a16:rowId xmlns:a16="http://schemas.microsoft.com/office/drawing/2014/main" xmlns="" val="2319603347"/>
+                    <a16:rowId xmlns:a16="http://schemas.microsoft.com/office/drawing/2014/main" val="2319603347"/>
                   </a:ext>
                 </a:extLst>
               </a:tr>
@@ -22588,7 +22552,7 @@
                 </a:tc>
                 <a:extLst>
                   <a:ext uri="{0D108BD9-81ED-4DB2-BD59-A6C34878D82A}">
-                    <a16:rowId xmlns:a16="http://schemas.microsoft.com/office/drawing/2014/main" xmlns="" val="644923150"/>
+                    <a16:rowId xmlns:a16="http://schemas.microsoft.com/office/drawing/2014/main" val="644923150"/>
                   </a:ext>
                 </a:extLst>
               </a:tr>
@@ -22733,7 +22697,7 @@
                 </a:tc>
                 <a:extLst>
                   <a:ext uri="{0D108BD9-81ED-4DB2-BD59-A6C34878D82A}">
-                    <a16:rowId xmlns:a16="http://schemas.microsoft.com/office/drawing/2014/main" xmlns="" val="753156445"/>
+                    <a16:rowId xmlns:a16="http://schemas.microsoft.com/office/drawing/2014/main" val="753156445"/>
                   </a:ext>
                 </a:extLst>
               </a:tr>
@@ -22878,7 +22842,7 @@
                 </a:tc>
                 <a:extLst>
                   <a:ext uri="{0D108BD9-81ED-4DB2-BD59-A6C34878D82A}">
-                    <a16:rowId xmlns:a16="http://schemas.microsoft.com/office/drawing/2014/main" xmlns="" val="2414445359"/>
+                    <a16:rowId xmlns:a16="http://schemas.microsoft.com/office/drawing/2014/main" val="2414445359"/>
                   </a:ext>
                 </a:extLst>
               </a:tr>
@@ -23149,7 +23113,7 @@
           <p:cNvPr id="2" name="Title 1">
             <a:extLst>
               <a:ext uri="{FF2B5EF4-FFF2-40B4-BE49-F238E27FC236}">
-                <a16:creationId xmlns:a16="http://schemas.microsoft.com/office/drawing/2014/main" xmlns="" id="{BFD80BED-157A-6DB6-B417-424F75908479}"/>
+                <a16:creationId xmlns:a16="http://schemas.microsoft.com/office/drawing/2014/main" id="{BFD80BED-157A-6DB6-B417-424F75908479}"/>
               </a:ext>
             </a:extLst>
           </p:cNvPr>
@@ -23177,7 +23141,7 @@
           <p:cNvPr id="3" name="Content Placeholder 2">
             <a:extLst>
               <a:ext uri="{FF2B5EF4-FFF2-40B4-BE49-F238E27FC236}">
-                <a16:creationId xmlns:a16="http://schemas.microsoft.com/office/drawing/2014/main" xmlns="" id="{01B84FBD-76D8-4CC2-3BE3-57E38B90308E}"/>
+                <a16:creationId xmlns:a16="http://schemas.microsoft.com/office/drawing/2014/main" id="{01B84FBD-76D8-4CC2-3BE3-57E38B90308E}"/>
               </a:ext>
             </a:extLst>
           </p:cNvPr>
@@ -23788,7 +23752,7 @@
           <p:cNvPr id="2" name="Title 1">
             <a:extLst>
               <a:ext uri="{FF2B5EF4-FFF2-40B4-BE49-F238E27FC236}">
-                <a16:creationId xmlns:a16="http://schemas.microsoft.com/office/drawing/2014/main" xmlns="" id="{BFD80BED-157A-6DB6-B417-424F75908479}"/>
+                <a16:creationId xmlns:a16="http://schemas.microsoft.com/office/drawing/2014/main" id="{BFD80BED-157A-6DB6-B417-424F75908479}"/>
               </a:ext>
             </a:extLst>
           </p:cNvPr>
@@ -23816,7 +23780,7 @@
           <p:cNvPr id="7" name="Picture 6">
             <a:extLst>
               <a:ext uri="{FF2B5EF4-FFF2-40B4-BE49-F238E27FC236}">
-                <a16:creationId xmlns:a16="http://schemas.microsoft.com/office/drawing/2014/main" xmlns="" id="{883A9C83-ADD4-C571-AE54-7CE2AF109082}"/>
+                <a16:creationId xmlns:a16="http://schemas.microsoft.com/office/drawing/2014/main" id="{883A9C83-ADD4-C571-AE54-7CE2AF109082}"/>
               </a:ext>
             </a:extLst>
           </p:cNvPr>
@@ -23851,13 +23815,6 @@
   <p:clrMapOvr>
     <a:masterClrMapping/>
   </p:clrMapOvr>
-  <p:timing>
-    <p:tnLst>
-      <p:par>
-        <p:cTn id="1" dur="indefinite" restart="never" nodeType="tmRoot"/>
-      </p:par>
-    </p:tnLst>
-  </p:timing>
 </p:sld>
 </file>
 
@@ -23883,7 +23840,7 @@
           <p:cNvPr id="2" name="Title 1">
             <a:extLst>
               <a:ext uri="{FF2B5EF4-FFF2-40B4-BE49-F238E27FC236}">
-                <a16:creationId xmlns:a16="http://schemas.microsoft.com/office/drawing/2014/main" xmlns="" id="{23EC66B0-57D1-F33B-BFD4-82DFB5D93200}"/>
+                <a16:creationId xmlns:a16="http://schemas.microsoft.com/office/drawing/2014/main" id="{23EC66B0-57D1-F33B-BFD4-82DFB5D93200}"/>
               </a:ext>
             </a:extLst>
           </p:cNvPr>
@@ -23911,7 +23868,7 @@
           <p:cNvPr id="3" name="Subtitle 2">
             <a:extLst>
               <a:ext uri="{FF2B5EF4-FFF2-40B4-BE49-F238E27FC236}">
-                <a16:creationId xmlns:a16="http://schemas.microsoft.com/office/drawing/2014/main" xmlns="" id="{B8FF68EA-3AC8-D207-A84B-D16DC4AF20C2}"/>
+                <a16:creationId xmlns:a16="http://schemas.microsoft.com/office/drawing/2014/main" id="{B8FF68EA-3AC8-D207-A84B-D16DC4AF20C2}"/>
               </a:ext>
             </a:extLst>
           </p:cNvPr>
@@ -23974,13 +23931,6 @@
   <p:clrMapOvr>
     <a:masterClrMapping/>
   </p:clrMapOvr>
-  <p:timing>
-    <p:tnLst>
-      <p:par>
-        <p:cTn id="1" dur="indefinite" restart="never" nodeType="tmRoot"/>
-      </p:par>
-    </p:tnLst>
-  </p:timing>
 </p:sld>
 </file>
 
@@ -24006,7 +23956,7 @@
           <p:cNvPr id="2" name="Title 1">
             <a:extLst>
               <a:ext uri="{FF2B5EF4-FFF2-40B4-BE49-F238E27FC236}">
-                <a16:creationId xmlns:a16="http://schemas.microsoft.com/office/drawing/2014/main" xmlns="" id="{146167F6-9995-EEF4-62E1-79C351B607B7}"/>
+                <a16:creationId xmlns:a16="http://schemas.microsoft.com/office/drawing/2014/main" id="{146167F6-9995-EEF4-62E1-79C351B607B7}"/>
               </a:ext>
             </a:extLst>
           </p:cNvPr>
@@ -24034,7 +23984,7 @@
           <p:cNvPr id="3" name="Content Placeholder 2">
             <a:extLst>
               <a:ext uri="{FF2B5EF4-FFF2-40B4-BE49-F238E27FC236}">
-                <a16:creationId xmlns:a16="http://schemas.microsoft.com/office/drawing/2014/main" xmlns="" id="{6DABE958-553C-59B0-F48F-4DBBA3925C29}"/>
+                <a16:creationId xmlns:a16="http://schemas.microsoft.com/office/drawing/2014/main" id="{6DABE958-553C-59B0-F48F-4DBBA3925C29}"/>
               </a:ext>
             </a:extLst>
           </p:cNvPr>
@@ -24398,7 +24348,7 @@
           <p:cNvPr id="2" name="Title 1">
             <a:extLst>
               <a:ext uri="{FF2B5EF4-FFF2-40B4-BE49-F238E27FC236}">
-                <a16:creationId xmlns:a16="http://schemas.microsoft.com/office/drawing/2014/main" xmlns="" id="{146167F6-9995-EEF4-62E1-79C351B607B7}"/>
+                <a16:creationId xmlns:a16="http://schemas.microsoft.com/office/drawing/2014/main" id="{146167F6-9995-EEF4-62E1-79C351B607B7}"/>
               </a:ext>
             </a:extLst>
           </p:cNvPr>
@@ -24426,7 +24376,7 @@
           <p:cNvPr id="3" name="Content Placeholder 2">
             <a:extLst>
               <a:ext uri="{FF2B5EF4-FFF2-40B4-BE49-F238E27FC236}">
-                <a16:creationId xmlns:a16="http://schemas.microsoft.com/office/drawing/2014/main" xmlns="" id="{6DABE958-553C-59B0-F48F-4DBBA3925C29}"/>
+                <a16:creationId xmlns:a16="http://schemas.microsoft.com/office/drawing/2014/main" id="{6DABE958-553C-59B0-F48F-4DBBA3925C29}"/>
               </a:ext>
             </a:extLst>
           </p:cNvPr>
@@ -24620,7 +24570,7 @@
           <p:cNvPr id="5" name="Picture 4">
             <a:extLst>
               <a:ext uri="{FF2B5EF4-FFF2-40B4-BE49-F238E27FC236}">
-                <a16:creationId xmlns:a16="http://schemas.microsoft.com/office/drawing/2014/main" xmlns="" id="{22C4D2BC-0A6A-5C9C-1A56-51EDBE328A9F}"/>
+                <a16:creationId xmlns:a16="http://schemas.microsoft.com/office/drawing/2014/main" id="{22C4D2BC-0A6A-5C9C-1A56-51EDBE328A9F}"/>
               </a:ext>
             </a:extLst>
           </p:cNvPr>
@@ -25402,7 +25352,7 @@
           <p:cNvPr id="2" name="Title 1">
             <a:extLst>
               <a:ext uri="{FF2B5EF4-FFF2-40B4-BE49-F238E27FC236}">
-                <a16:creationId xmlns:a16="http://schemas.microsoft.com/office/drawing/2014/main" xmlns="" id="{146167F6-9995-EEF4-62E1-79C351B607B7}"/>
+                <a16:creationId xmlns:a16="http://schemas.microsoft.com/office/drawing/2014/main" id="{146167F6-9995-EEF4-62E1-79C351B607B7}"/>
               </a:ext>
             </a:extLst>
           </p:cNvPr>
@@ -25437,7 +25387,7 @@
           <p:cNvPr id="7" name="Table 6">
             <a:extLst>
               <a:ext uri="{FF2B5EF4-FFF2-40B4-BE49-F238E27FC236}">
-                <a16:creationId xmlns:a16="http://schemas.microsoft.com/office/drawing/2014/main" xmlns="" id="{E04D4739-97A3-C568-5D6F-BAAB1B71C80A}"/>
+                <a16:creationId xmlns:a16="http://schemas.microsoft.com/office/drawing/2014/main" id="{E04D4739-97A3-C568-5D6F-BAAB1B71C80A}"/>
               </a:ext>
             </a:extLst>
           </p:cNvPr>
@@ -25466,42 +25416,42 @@
                 <a:gridCol w="974935">
                   <a:extLst>
                     <a:ext uri="{9D8B030D-6E8A-4147-A177-3AD203B41FA5}">
-                      <a16:colId xmlns:a16="http://schemas.microsoft.com/office/drawing/2014/main" xmlns="" val="1836296974"/>
+                      <a16:colId xmlns:a16="http://schemas.microsoft.com/office/drawing/2014/main" val="1836296974"/>
                     </a:ext>
                   </a:extLst>
                 </a:gridCol>
                 <a:gridCol w="891962">
                   <a:extLst>
                     <a:ext uri="{9D8B030D-6E8A-4147-A177-3AD203B41FA5}">
-                      <a16:colId xmlns:a16="http://schemas.microsoft.com/office/drawing/2014/main" xmlns="" val="222599022"/>
+                      <a16:colId xmlns:a16="http://schemas.microsoft.com/office/drawing/2014/main" val="222599022"/>
                     </a:ext>
                   </a:extLst>
                 </a:gridCol>
                 <a:gridCol w="1555748">
                   <a:extLst>
                     <a:ext uri="{9D8B030D-6E8A-4147-A177-3AD203B41FA5}">
-                      <a16:colId xmlns:a16="http://schemas.microsoft.com/office/drawing/2014/main" xmlns="" val="3909763040"/>
+                      <a16:colId xmlns:a16="http://schemas.microsoft.com/office/drawing/2014/main" val="3909763040"/>
                     </a:ext>
                   </a:extLst>
                 </a:gridCol>
                 <a:gridCol w="1286085">
                   <a:extLst>
                     <a:ext uri="{9D8B030D-6E8A-4147-A177-3AD203B41FA5}">
-                      <a16:colId xmlns:a16="http://schemas.microsoft.com/office/drawing/2014/main" xmlns="" val="4207324239"/>
+                      <a16:colId xmlns:a16="http://schemas.microsoft.com/office/drawing/2014/main" val="4207324239"/>
                     </a:ext>
                   </a:extLst>
                 </a:gridCol>
                 <a:gridCol w="871219">
                   <a:extLst>
                     <a:ext uri="{9D8B030D-6E8A-4147-A177-3AD203B41FA5}">
-                      <a16:colId xmlns:a16="http://schemas.microsoft.com/office/drawing/2014/main" xmlns="" val="3691857670"/>
+                      <a16:colId xmlns:a16="http://schemas.microsoft.com/office/drawing/2014/main" val="3691857670"/>
                     </a:ext>
                   </a:extLst>
                 </a:gridCol>
                 <a:gridCol w="1244598">
                   <a:extLst>
                     <a:ext uri="{9D8B030D-6E8A-4147-A177-3AD203B41FA5}">
-                      <a16:colId xmlns:a16="http://schemas.microsoft.com/office/drawing/2014/main" xmlns="" val="2952195426"/>
+                      <a16:colId xmlns:a16="http://schemas.microsoft.com/office/drawing/2014/main" val="2952195426"/>
                     </a:ext>
                   </a:extLst>
                 </a:gridCol>
@@ -25647,7 +25597,7 @@
                 </a:tc>
                 <a:extLst>
                   <a:ext uri="{0D108BD9-81ED-4DB2-BD59-A6C34878D82A}">
-                    <a16:rowId xmlns:a16="http://schemas.microsoft.com/office/drawing/2014/main" xmlns="" val="3385873372"/>
+                    <a16:rowId xmlns:a16="http://schemas.microsoft.com/office/drawing/2014/main" val="3385873372"/>
                   </a:ext>
                 </a:extLst>
               </a:tr>
@@ -25792,7 +25742,7 @@
                 </a:tc>
                 <a:extLst>
                   <a:ext uri="{0D108BD9-81ED-4DB2-BD59-A6C34878D82A}">
-                    <a16:rowId xmlns:a16="http://schemas.microsoft.com/office/drawing/2014/main" xmlns="" val="40198242"/>
+                    <a16:rowId xmlns:a16="http://schemas.microsoft.com/office/drawing/2014/main" val="40198242"/>
                   </a:ext>
                 </a:extLst>
               </a:tr>
@@ -25937,7 +25887,7 @@
                 </a:tc>
                 <a:extLst>
                   <a:ext uri="{0D108BD9-81ED-4DB2-BD59-A6C34878D82A}">
-                    <a16:rowId xmlns:a16="http://schemas.microsoft.com/office/drawing/2014/main" xmlns="" val="2202812356"/>
+                    <a16:rowId xmlns:a16="http://schemas.microsoft.com/office/drawing/2014/main" val="2202812356"/>
                   </a:ext>
                 </a:extLst>
               </a:tr>
@@ -26082,7 +26032,7 @@
                 </a:tc>
                 <a:extLst>
                   <a:ext uri="{0D108BD9-81ED-4DB2-BD59-A6C34878D82A}">
-                    <a16:rowId xmlns:a16="http://schemas.microsoft.com/office/drawing/2014/main" xmlns="" val="1980521857"/>
+                    <a16:rowId xmlns:a16="http://schemas.microsoft.com/office/drawing/2014/main" val="1980521857"/>
                   </a:ext>
                 </a:extLst>
               </a:tr>
@@ -26227,7 +26177,7 @@
                 </a:tc>
                 <a:extLst>
                   <a:ext uri="{0D108BD9-81ED-4DB2-BD59-A6C34878D82A}">
-                    <a16:rowId xmlns:a16="http://schemas.microsoft.com/office/drawing/2014/main" xmlns="" val="99188677"/>
+                    <a16:rowId xmlns:a16="http://schemas.microsoft.com/office/drawing/2014/main" val="99188677"/>
                   </a:ext>
                 </a:extLst>
               </a:tr>
@@ -26372,7 +26322,7 @@
                 </a:tc>
                 <a:extLst>
                   <a:ext uri="{0D108BD9-81ED-4DB2-BD59-A6C34878D82A}">
-                    <a16:rowId xmlns:a16="http://schemas.microsoft.com/office/drawing/2014/main" xmlns="" val="2083451933"/>
+                    <a16:rowId xmlns:a16="http://schemas.microsoft.com/office/drawing/2014/main" val="2083451933"/>
                   </a:ext>
                 </a:extLst>
               </a:tr>
@@ -26523,7 +26473,7 @@
                 </a:tc>
                 <a:extLst>
                   <a:ext uri="{0D108BD9-81ED-4DB2-BD59-A6C34878D82A}">
-                    <a16:rowId xmlns:a16="http://schemas.microsoft.com/office/drawing/2014/main" xmlns="" val="3586370329"/>
+                    <a16:rowId xmlns:a16="http://schemas.microsoft.com/office/drawing/2014/main" val="3586370329"/>
                   </a:ext>
                 </a:extLst>
               </a:tr>
@@ -26668,7 +26618,7 @@
                 </a:tc>
                 <a:extLst>
                   <a:ext uri="{0D108BD9-81ED-4DB2-BD59-A6C34878D82A}">
-                    <a16:rowId xmlns:a16="http://schemas.microsoft.com/office/drawing/2014/main" xmlns="" val="995919729"/>
+                    <a16:rowId xmlns:a16="http://schemas.microsoft.com/office/drawing/2014/main" val="995919729"/>
                   </a:ext>
                 </a:extLst>
               </a:tr>
@@ -26813,7 +26763,7 @@
                 </a:tc>
                 <a:extLst>
                   <a:ext uri="{0D108BD9-81ED-4DB2-BD59-A6C34878D82A}">
-                    <a16:rowId xmlns:a16="http://schemas.microsoft.com/office/drawing/2014/main" xmlns="" val="3559813735"/>
+                    <a16:rowId xmlns:a16="http://schemas.microsoft.com/office/drawing/2014/main" val="3559813735"/>
                   </a:ext>
                 </a:extLst>
               </a:tr>
@@ -26958,7 +26908,7 @@
                 </a:tc>
                 <a:extLst>
                   <a:ext uri="{0D108BD9-81ED-4DB2-BD59-A6C34878D82A}">
-                    <a16:rowId xmlns:a16="http://schemas.microsoft.com/office/drawing/2014/main" xmlns="" val="4098641826"/>
+                    <a16:rowId xmlns:a16="http://schemas.microsoft.com/office/drawing/2014/main" val="4098641826"/>
                   </a:ext>
                 </a:extLst>
               </a:tr>
@@ -27103,7 +27053,7 @@
                 </a:tc>
                 <a:extLst>
                   <a:ext uri="{0D108BD9-81ED-4DB2-BD59-A6C34878D82A}">
-                    <a16:rowId xmlns:a16="http://schemas.microsoft.com/office/drawing/2014/main" xmlns="" val="2781078719"/>
+                    <a16:rowId xmlns:a16="http://schemas.microsoft.com/office/drawing/2014/main" val="2781078719"/>
                   </a:ext>
                 </a:extLst>
               </a:tr>
@@ -27248,7 +27198,7 @@
                 </a:tc>
                 <a:extLst>
                   <a:ext uri="{0D108BD9-81ED-4DB2-BD59-A6C34878D82A}">
-                    <a16:rowId xmlns:a16="http://schemas.microsoft.com/office/drawing/2014/main" xmlns="" val="1029584763"/>
+                    <a16:rowId xmlns:a16="http://schemas.microsoft.com/office/drawing/2014/main" val="1029584763"/>
                   </a:ext>
                 </a:extLst>
               </a:tr>
@@ -27393,7 +27343,7 @@
                 </a:tc>
                 <a:extLst>
                   <a:ext uri="{0D108BD9-81ED-4DB2-BD59-A6C34878D82A}">
-                    <a16:rowId xmlns:a16="http://schemas.microsoft.com/office/drawing/2014/main" xmlns="" val="2319603347"/>
+                    <a16:rowId xmlns:a16="http://schemas.microsoft.com/office/drawing/2014/main" val="2319603347"/>
                   </a:ext>
                 </a:extLst>
               </a:tr>
@@ -27538,7 +27488,7 @@
                 </a:tc>
                 <a:extLst>
                   <a:ext uri="{0D108BD9-81ED-4DB2-BD59-A6C34878D82A}">
-                    <a16:rowId xmlns:a16="http://schemas.microsoft.com/office/drawing/2014/main" xmlns="" val="644923150"/>
+                    <a16:rowId xmlns:a16="http://schemas.microsoft.com/office/drawing/2014/main" val="644923150"/>
                   </a:ext>
                 </a:extLst>
               </a:tr>
@@ -27551,7 +27501,7 @@
           <p:cNvPr id="8" name="Picture 7">
             <a:extLst>
               <a:ext uri="{FF2B5EF4-FFF2-40B4-BE49-F238E27FC236}">
-                <a16:creationId xmlns:a16="http://schemas.microsoft.com/office/drawing/2014/main" xmlns="" id="{B3A40198-CC80-EA86-371C-51FA81863314}"/>
+                <a16:creationId xmlns:a16="http://schemas.microsoft.com/office/drawing/2014/main" id="{B3A40198-CC80-EA86-371C-51FA81863314}"/>
               </a:ext>
             </a:extLst>
           </p:cNvPr>
@@ -27580,7 +27530,7 @@
           <p:cNvPr id="10" name="TextBox 9">
             <a:extLst>
               <a:ext uri="{FF2B5EF4-FFF2-40B4-BE49-F238E27FC236}">
-                <a16:creationId xmlns:a16="http://schemas.microsoft.com/office/drawing/2014/main" xmlns="" id="{BDDE792D-90F0-E379-EDF7-57947E2527FD}"/>
+                <a16:creationId xmlns:a16="http://schemas.microsoft.com/office/drawing/2014/main" id="{BDDE792D-90F0-E379-EDF7-57947E2527FD}"/>
               </a:ext>
             </a:extLst>
           </p:cNvPr>
@@ -27639,7 +27589,7 @@
           <p:cNvPr id="11" name="TextBox 10">
             <a:extLst>
               <a:ext uri="{FF2B5EF4-FFF2-40B4-BE49-F238E27FC236}">
-                <a16:creationId xmlns:a16="http://schemas.microsoft.com/office/drawing/2014/main" xmlns="" id="{A59733BD-4BC6-2023-47D7-13D4C39A0053}"/>
+                <a16:creationId xmlns:a16="http://schemas.microsoft.com/office/drawing/2014/main" id="{A59733BD-4BC6-2023-47D7-13D4C39A0053}"/>
               </a:ext>
             </a:extLst>
           </p:cNvPr>
@@ -27663,24 +27613,8 @@
           <a:lstStyle/>
           <a:p>
             <a:r>
-              <a:rPr lang="en-US" sz="2000" dirty="0" smtClean="0"/>
-              <a:t>TP :data </a:t>
-            </a:r>
-            <a:r>
               <a:rPr lang="en-US" sz="2000" dirty="0"/>
-              <a:t>real </a:t>
-            </a:r>
-            <a:r>
-              <a:rPr lang="en-US" sz="2000" dirty="0" smtClean="0"/>
-              <a:t>TERLAMBAT</a:t>
-            </a:r>
-            <a:r>
-              <a:rPr lang="en-US" sz="2000" dirty="0" smtClean="0"/>
-              <a:t>, </a:t>
-            </a:r>
-            <a:r>
-              <a:rPr lang="en-US" sz="2000" dirty="0"/>
-              <a:t>model </a:t>
+              <a:t>TP :data real TERLAMBAT, model </a:t>
             </a:r>
             <a:r>
               <a:rPr lang="en-US" sz="2000" dirty="0" err="1"/>
@@ -27688,34 +27622,17 @@
             </a:r>
             <a:r>
               <a:rPr lang="en-US" sz="2000" dirty="0"/>
-              <a:t> </a:t>
-            </a:r>
-            <a:r>
-              <a:rPr lang="en-US" sz="2000" dirty="0" smtClean="0"/>
-              <a:t>TERLAMBAT</a:t>
-            </a:r>
-            <a:endParaRPr lang="en-US" sz="2000" dirty="0"/>
+              <a:t> TERLAMBAT</a:t>
+            </a:r>
           </a:p>
           <a:p>
             <a:r>
-              <a:rPr lang="en-US" sz="2000" dirty="0" err="1" smtClean="0"/>
+              <a:rPr lang="en-US" sz="2000" dirty="0" err="1"/>
               <a:t>FP:data</a:t>
             </a:r>
             <a:r>
-              <a:rPr lang="en-US" sz="2000" dirty="0" smtClean="0"/>
-              <a:t> </a:t>
-            </a:r>
-            <a:r>
               <a:rPr lang="en-US" sz="2000" dirty="0"/>
-              <a:t>real </a:t>
-            </a:r>
-            <a:r>
-              <a:rPr lang="en-US" sz="2000" dirty="0" smtClean="0"/>
-              <a:t>TERLAMBAT, </a:t>
-            </a:r>
-            <a:r>
-              <a:rPr lang="en-US" sz="2000" dirty="0"/>
-              <a:t>model </a:t>
+              <a:t> real TERLAMBAT, model </a:t>
             </a:r>
             <a:r>
               <a:rPr lang="en-US" sz="2000" dirty="0" err="1"/>
@@ -27723,34 +27640,17 @@
             </a:r>
             <a:r>
               <a:rPr lang="en-US" sz="2000" dirty="0"/>
-              <a:t> </a:t>
-            </a:r>
-            <a:r>
-              <a:rPr lang="en-US" sz="2000" dirty="0" smtClean="0"/>
-              <a:t>BUKAN TERLAMBAT (TEPAT)</a:t>
-            </a:r>
-            <a:endParaRPr lang="en-US" sz="2000" dirty="0"/>
+              <a:t> BUKAN TERLAMBAT (TEPAT)</a:t>
+            </a:r>
           </a:p>
           <a:p>
             <a:r>
-              <a:rPr lang="en-US" sz="2000" dirty="0" err="1" smtClean="0"/>
+              <a:rPr lang="en-US" sz="2000" dirty="0" err="1"/>
               <a:t>TN:data</a:t>
             </a:r>
             <a:r>
-              <a:rPr lang="en-US" sz="2000" dirty="0" smtClean="0"/>
-              <a:t> </a:t>
-            </a:r>
-            <a:r>
               <a:rPr lang="en-US" sz="2000" dirty="0"/>
-              <a:t>real </a:t>
-            </a:r>
-            <a:r>
-              <a:rPr lang="en-US" sz="2000" dirty="0" smtClean="0"/>
-              <a:t>TEPAT, </a:t>
-            </a:r>
-            <a:r>
-              <a:rPr lang="en-US" sz="2000" dirty="0"/>
-              <a:t>model </a:t>
+              <a:t> real TEPAT, model </a:t>
             </a:r>
             <a:r>
               <a:rPr lang="en-US" sz="2000" dirty="0" err="1"/>
@@ -27758,32 +27658,26 @@
             </a:r>
             <a:r>
               <a:rPr lang="en-US" sz="2000" dirty="0"/>
-              <a:t> </a:t>
-            </a:r>
-            <a:r>
-              <a:rPr lang="en-US" sz="2000" dirty="0" smtClean="0"/>
-              <a:t>TEPAT</a:t>
-            </a:r>
-            <a:endParaRPr lang="en-US" sz="2000" dirty="0" smtClean="0"/>
+              <a:t> TEPAT</a:t>
+            </a:r>
           </a:p>
           <a:p>
             <a:r>
-              <a:rPr lang="en-US" sz="2000" dirty="0" err="1" smtClean="0"/>
+              <a:rPr lang="en-US" sz="2000" dirty="0" err="1"/>
               <a:t>FN:data</a:t>
             </a:r>
             <a:r>
-              <a:rPr lang="en-US" sz="2000" dirty="0" smtClean="0"/>
+              <a:rPr lang="en-US" sz="2000" dirty="0"/>
               <a:t> real TEPAT, model </a:t>
             </a:r>
             <a:r>
-              <a:rPr lang="en-US" sz="2000" dirty="0" err="1" smtClean="0"/>
+              <a:rPr lang="en-US" sz="2000" dirty="0" err="1"/>
               <a:t>memprediksi</a:t>
             </a:r>
             <a:r>
-              <a:rPr lang="en-US" sz="2000" dirty="0" smtClean="0"/>
+              <a:rPr lang="en-US" sz="2000" dirty="0"/>
               <a:t> BUKAN TEPAT (TERLAMBAT)</a:t>
             </a:r>
-            <a:endParaRPr lang="en-US" sz="2000" dirty="0"/>
           </a:p>
           <a:p>
             <a:endParaRPr lang="en-US" sz="2000" dirty="0"/>
@@ -28743,7 +28637,7 @@
           <p:cNvPr id="2" name="Title 1">
             <a:extLst>
               <a:ext uri="{FF2B5EF4-FFF2-40B4-BE49-F238E27FC236}">
-                <a16:creationId xmlns:a16="http://schemas.microsoft.com/office/drawing/2014/main" xmlns="" id="{146167F6-9995-EEF4-62E1-79C351B607B7}"/>
+                <a16:creationId xmlns:a16="http://schemas.microsoft.com/office/drawing/2014/main" id="{146167F6-9995-EEF4-62E1-79C351B607B7}"/>
               </a:ext>
             </a:extLst>
           </p:cNvPr>
@@ -28771,7 +28665,7 @@
           <p:cNvPr id="3" name="Content Placeholder 2">
             <a:extLst>
               <a:ext uri="{FF2B5EF4-FFF2-40B4-BE49-F238E27FC236}">
-                <a16:creationId xmlns:a16="http://schemas.microsoft.com/office/drawing/2014/main" xmlns="" id="{6DABE958-553C-59B0-F48F-4DBBA3925C29}"/>
+                <a16:creationId xmlns:a16="http://schemas.microsoft.com/office/drawing/2014/main" id="{6DABE958-553C-59B0-F48F-4DBBA3925C29}"/>
               </a:ext>
             </a:extLst>
           </p:cNvPr>
@@ -28842,7 +28736,7 @@
           <p:cNvPr id="5" name="Picture 4">
             <a:extLst>
               <a:ext uri="{FF2B5EF4-FFF2-40B4-BE49-F238E27FC236}">
-                <a16:creationId xmlns:a16="http://schemas.microsoft.com/office/drawing/2014/main" xmlns="" id="{22C4D2BC-0A6A-5C9C-1A56-51EDBE328A9F}"/>
+                <a16:creationId xmlns:a16="http://schemas.microsoft.com/office/drawing/2014/main" id="{22C4D2BC-0A6A-5C9C-1A56-51EDBE328A9F}"/>
               </a:ext>
             </a:extLst>
           </p:cNvPr>
